--- a/w207_ProjectPizza_Presentation.pptx
+++ b/w207_ProjectPizza_Presentation.pptx
@@ -4,6 +4,9 @@
   <p:sldMasterIdLst>
     <p:sldMasterId id="2147483777" r:id="rId1"/>
   </p:sldMasterIdLst>
+  <p:notesMasterIdLst>
+    <p:notesMasterId r:id="rId15"/>
+  </p:notesMasterIdLst>
   <p:sldIdLst>
     <p:sldId id="256" r:id="rId2"/>
     <p:sldId id="257" r:id="rId3"/>
@@ -17,6 +20,7 @@
     <p:sldId id="267" r:id="rId11"/>
     <p:sldId id="268" r:id="rId12"/>
     <p:sldId id="269" r:id="rId13"/>
+    <p:sldId id="270" r:id="rId14"/>
   </p:sldIdLst>
   <p:sldSz cx="12192000" cy="6858000"/>
   <p:notesSz cx="6858000" cy="9144000"/>
@@ -115,6 +119,11 @@
       </a:defRPr>
     </a:lvl9pPr>
   </p:defaultTextStyle>
+  <p:extLst>
+    <p:ext uri="{EFAFB233-063F-42B5-8137-9DF3F51BA10A}">
+      <p15:sldGuideLst xmlns:p15="http://schemas.microsoft.com/office/powerpoint/2012/main"/>
+    </p:ext>
+  </p:extLst>
 </p:presentation>
 </file>
 
@@ -5025,7 +5034,7 @@
   <dgm:whole/>
   <dgm:extLst>
     <a:ext uri="http://schemas.microsoft.com/office/drawing/2008/diagram">
-      <dsp:dataModelExt xmlns:dsp="http://schemas.microsoft.com/office/drawing/2008/diagram" relId="rId7" minVer="http://schemas.openxmlformats.org/drawingml/2006/diagram"/>
+      <dsp:dataModelExt xmlns:dsp="http://schemas.microsoft.com/office/drawing/2008/diagram" relId="rId8" minVer="http://schemas.openxmlformats.org/drawingml/2006/diagram"/>
     </a:ext>
   </dgm:extLst>
 </dgm:dataModel>
@@ -5411,7 +5420,7 @@
   <dgm:whole/>
   <dgm:extLst>
     <a:ext uri="http://schemas.microsoft.com/office/drawing/2008/diagram">
-      <dsp:dataModelExt xmlns:dsp="http://schemas.microsoft.com/office/drawing/2008/diagram" relId="rId6" minVer="http://schemas.openxmlformats.org/drawingml/2006/diagram"/>
+      <dsp:dataModelExt xmlns:dsp="http://schemas.microsoft.com/office/drawing/2008/diagram" relId="rId7" minVer="http://schemas.openxmlformats.org/drawingml/2006/diagram"/>
     </a:ext>
   </dgm:extLst>
 </dgm:dataModel>
@@ -5669,7 +5678,7 @@
   <dgm:whole/>
   <dgm:extLst>
     <a:ext uri="http://schemas.microsoft.com/office/drawing/2008/diagram">
-      <dsp:dataModelExt xmlns:dsp="http://schemas.microsoft.com/office/drawing/2008/diagram" relId="rId6" minVer="http://schemas.openxmlformats.org/drawingml/2006/diagram"/>
+      <dsp:dataModelExt xmlns:dsp="http://schemas.microsoft.com/office/drawing/2008/diagram" relId="rId7" minVer="http://schemas.openxmlformats.org/drawingml/2006/diagram"/>
     </a:ext>
   </dgm:extLst>
 </dgm:dataModel>
@@ -5843,7 +5852,7 @@
   <dgm:whole/>
   <dgm:extLst>
     <a:ext uri="http://schemas.microsoft.com/office/drawing/2008/diagram">
-      <dsp:dataModelExt xmlns:dsp="http://schemas.microsoft.com/office/drawing/2008/diagram" relId="rId7" minVer="http://schemas.openxmlformats.org/drawingml/2006/diagram"/>
+      <dsp:dataModelExt xmlns:dsp="http://schemas.microsoft.com/office/drawing/2008/diagram" relId="rId8" minVer="http://schemas.openxmlformats.org/drawingml/2006/diagram"/>
     </a:ext>
   </dgm:extLst>
 </dgm:dataModel>
@@ -6044,7 +6053,7 @@
   <dgm:whole/>
   <dgm:extLst>
     <a:ext uri="http://schemas.microsoft.com/office/drawing/2008/diagram">
-      <dsp:dataModelExt xmlns:dsp="http://schemas.microsoft.com/office/drawing/2008/diagram" relId="rId7" minVer="http://schemas.openxmlformats.org/drawingml/2006/diagram"/>
+      <dsp:dataModelExt xmlns:dsp="http://schemas.microsoft.com/office/drawing/2008/diagram" relId="rId8" minVer="http://schemas.openxmlformats.org/drawingml/2006/diagram"/>
     </a:ext>
   </dgm:extLst>
 </dgm:dataModel>
@@ -6054,7 +6063,7 @@
 <dgm:dataModel xmlns:dgm="http://schemas.openxmlformats.org/drawingml/2006/diagram" xmlns:a="http://schemas.openxmlformats.org/drawingml/2006/main">
   <dgm:ptLst>
     <dgm:pt modelId="{108EEC92-30F1-4ECE-B40E-52038F08B2BE}" type="doc">
-      <dgm:prSet loTypeId="urn:microsoft.com/office/officeart/2009/3/layout/HorizontalOrganizationChart" loCatId="hierarchy" qsTypeId="urn:microsoft.com/office/officeart/2005/8/quickstyle/simple4" qsCatId="simple" csTypeId="urn:microsoft.com/office/officeart/2005/8/colors/accent4_2" csCatId="accent4"/>
+      <dgm:prSet loTypeId="urn:microsoft.com/office/officeart/2009/3/layout/HorizontalOrganizationChart" loCatId="hierarchy" qsTypeId="urn:microsoft.com/office/officeart/2005/8/quickstyle/simple4" qsCatId="simple" csTypeId="urn:microsoft.com/office/officeart/2005/8/colors/accent4_2" csCatId="accent4" phldr="1"/>
       <dgm:spPr/>
       <dgm:t>
         <a:bodyPr/>
@@ -6117,7 +6126,7 @@
                 <a:schemeClr val="bg2"/>
               </a:solidFill>
             </a:rPr>
-            <a:t>WE also could have used more sophisticated methods to balance out our training &amp; development datasets so there was a better ratio of positive &amp; negative datapoints</a:t>
+            <a:t>We also could have used more sophisticated methods to balance out our training &amp; development datasets so there was a better ratio of positive &amp; negative datapoints</a:t>
           </a:r>
         </a:p>
       </dgm:t>
@@ -6247,7 +6256,7 @@
   <dgm:whole/>
   <dgm:extLst>
     <a:ext uri="http://schemas.microsoft.com/office/drawing/2008/diagram">
-      <dsp:dataModelExt xmlns:dsp="http://schemas.microsoft.com/office/drawing/2008/diagram" relId="rId7" minVer="http://schemas.openxmlformats.org/drawingml/2006/diagram"/>
+      <dsp:dataModelExt xmlns:dsp="http://schemas.microsoft.com/office/drawing/2008/diagram" relId="rId8" minVer="http://schemas.openxmlformats.org/drawingml/2006/diagram"/>
     </a:ext>
   </dgm:extLst>
 </dgm:dataModel>
@@ -8383,7 +8392,7 @@
                 <a:schemeClr val="bg2"/>
               </a:solidFill>
             </a:rPr>
-            <a:t>WE also could have used more sophisticated methods to balance out our training &amp; development datasets so there was a better ratio of positive &amp; negative datapoints</a:t>
+            <a:t>We also could have used more sophisticated methods to balance out our training &amp; development datasets so there was a better ratio of positive &amp; negative datapoints</a:t>
           </a:r>
         </a:p>
       </dsp:txBody>
@@ -19068,6 +19077,1400 @@
 </dgm:styleDef>
 </file>
 
+<file path=ppt/notesMasters/notesMaster1.xml><?xml version="1.0" encoding="utf-8"?>
+<p:notesMaster xmlns:a="http://schemas.openxmlformats.org/drawingml/2006/main" xmlns:r="http://schemas.openxmlformats.org/officeDocument/2006/relationships" xmlns:p="http://schemas.openxmlformats.org/presentationml/2006/main">
+  <p:cSld>
+    <p:bg>
+      <p:bgRef idx="1001">
+        <a:schemeClr val="bg1"/>
+      </p:bgRef>
+    </p:bg>
+    <p:spTree>
+      <p:nvGrpSpPr>
+        <p:cNvPr id="1" name=""/>
+        <p:cNvGrpSpPr/>
+        <p:nvPr/>
+      </p:nvGrpSpPr>
+      <p:grpSpPr>
+        <a:xfrm>
+          <a:off x="0" y="0"/>
+          <a:ext cx="0" cy="0"/>
+          <a:chOff x="0" y="0"/>
+          <a:chExt cx="0" cy="0"/>
+        </a:xfrm>
+      </p:grpSpPr>
+      <p:sp>
+        <p:nvSpPr>
+          <p:cNvPr id="2" name="Header Placeholder 1"/>
+          <p:cNvSpPr>
+            <a:spLocks noGrp="1"/>
+          </p:cNvSpPr>
+          <p:nvPr>
+            <p:ph type="hdr" sz="quarter"/>
+          </p:nvPr>
+        </p:nvSpPr>
+        <p:spPr>
+          <a:xfrm>
+            <a:off x="0" y="0"/>
+            <a:ext cx="2971800" cy="458788"/>
+          </a:xfrm>
+          <a:prstGeom prst="rect">
+            <a:avLst/>
+          </a:prstGeom>
+        </p:spPr>
+        <p:txBody>
+          <a:bodyPr vert="horz" lIns="91440" tIns="45720" rIns="91440" bIns="45720" rtlCol="0"/>
+          <a:lstStyle>
+            <a:lvl1pPr algn="l">
+              <a:defRPr sz="1200"/>
+            </a:lvl1pPr>
+          </a:lstStyle>
+          <a:p>
+            <a:endParaRPr lang="en-US"/>
+          </a:p>
+        </p:txBody>
+      </p:sp>
+      <p:sp>
+        <p:nvSpPr>
+          <p:cNvPr id="3" name="Date Placeholder 2"/>
+          <p:cNvSpPr>
+            <a:spLocks noGrp="1"/>
+          </p:cNvSpPr>
+          <p:nvPr>
+            <p:ph type="dt" idx="1"/>
+          </p:nvPr>
+        </p:nvSpPr>
+        <p:spPr>
+          <a:xfrm>
+            <a:off x="3884613" y="0"/>
+            <a:ext cx="2971800" cy="458788"/>
+          </a:xfrm>
+          <a:prstGeom prst="rect">
+            <a:avLst/>
+          </a:prstGeom>
+        </p:spPr>
+        <p:txBody>
+          <a:bodyPr vert="horz" lIns="91440" tIns="45720" rIns="91440" bIns="45720" rtlCol="0"/>
+          <a:lstStyle>
+            <a:lvl1pPr algn="r">
+              <a:defRPr sz="1200"/>
+            </a:lvl1pPr>
+          </a:lstStyle>
+          <a:p>
+            <a:fld id="{74351BEC-B626-8A42-83F4-51CC6FB0CE48}" type="datetimeFigureOut">
+              <a:rPr lang="en-US" smtClean="0"/>
+              <a:t>4/10/22</a:t>
+            </a:fld>
+            <a:endParaRPr lang="en-US"/>
+          </a:p>
+        </p:txBody>
+      </p:sp>
+      <p:sp>
+        <p:nvSpPr>
+          <p:cNvPr id="4" name="Slide Image Placeholder 3"/>
+          <p:cNvSpPr>
+            <a:spLocks noGrp="1" noRot="1" noChangeAspect="1"/>
+          </p:cNvSpPr>
+          <p:nvPr>
+            <p:ph type="sldImg" idx="2"/>
+          </p:nvPr>
+        </p:nvSpPr>
+        <p:spPr>
+          <a:xfrm>
+            <a:off x="685800" y="1143000"/>
+            <a:ext cx="5486400" cy="3086100"/>
+          </a:xfrm>
+          <a:prstGeom prst="rect">
+            <a:avLst/>
+          </a:prstGeom>
+          <a:noFill/>
+          <a:ln w="12700">
+            <a:solidFill>
+              <a:prstClr val="black"/>
+            </a:solidFill>
+          </a:ln>
+        </p:spPr>
+        <p:txBody>
+          <a:bodyPr vert="horz" lIns="91440" tIns="45720" rIns="91440" bIns="45720" rtlCol="0" anchor="ctr"/>
+          <a:lstStyle/>
+          <a:p>
+            <a:endParaRPr lang="en-US"/>
+          </a:p>
+        </p:txBody>
+      </p:sp>
+      <p:sp>
+        <p:nvSpPr>
+          <p:cNvPr id="5" name="Notes Placeholder 4"/>
+          <p:cNvSpPr>
+            <a:spLocks noGrp="1"/>
+          </p:cNvSpPr>
+          <p:nvPr>
+            <p:ph type="body" sz="quarter" idx="3"/>
+          </p:nvPr>
+        </p:nvSpPr>
+        <p:spPr>
+          <a:xfrm>
+            <a:off x="685800" y="4400550"/>
+            <a:ext cx="5486400" cy="3600450"/>
+          </a:xfrm>
+          <a:prstGeom prst="rect">
+            <a:avLst/>
+          </a:prstGeom>
+        </p:spPr>
+        <p:txBody>
+          <a:bodyPr vert="horz" lIns="91440" tIns="45720" rIns="91440" bIns="45720" rtlCol="0"/>
+          <a:lstStyle/>
+          <a:p>
+            <a:pPr lvl="0"/>
+            <a:r>
+              <a:rPr lang="en-US"/>
+              <a:t>Click to edit Master text styles</a:t>
+            </a:r>
+          </a:p>
+          <a:p>
+            <a:pPr lvl="1"/>
+            <a:r>
+              <a:rPr lang="en-US"/>
+              <a:t>Second level</a:t>
+            </a:r>
+          </a:p>
+          <a:p>
+            <a:pPr lvl="2"/>
+            <a:r>
+              <a:rPr lang="en-US"/>
+              <a:t>Third level</a:t>
+            </a:r>
+          </a:p>
+          <a:p>
+            <a:pPr lvl="3"/>
+            <a:r>
+              <a:rPr lang="en-US"/>
+              <a:t>Fourth level</a:t>
+            </a:r>
+          </a:p>
+          <a:p>
+            <a:pPr lvl="4"/>
+            <a:r>
+              <a:rPr lang="en-US"/>
+              <a:t>Fifth level</a:t>
+            </a:r>
+          </a:p>
+        </p:txBody>
+      </p:sp>
+      <p:sp>
+        <p:nvSpPr>
+          <p:cNvPr id="6" name="Footer Placeholder 5"/>
+          <p:cNvSpPr>
+            <a:spLocks noGrp="1"/>
+          </p:cNvSpPr>
+          <p:nvPr>
+            <p:ph type="ftr" sz="quarter" idx="4"/>
+          </p:nvPr>
+        </p:nvSpPr>
+        <p:spPr>
+          <a:xfrm>
+            <a:off x="0" y="8685213"/>
+            <a:ext cx="2971800" cy="458787"/>
+          </a:xfrm>
+          <a:prstGeom prst="rect">
+            <a:avLst/>
+          </a:prstGeom>
+        </p:spPr>
+        <p:txBody>
+          <a:bodyPr vert="horz" lIns="91440" tIns="45720" rIns="91440" bIns="45720" rtlCol="0" anchor="b"/>
+          <a:lstStyle>
+            <a:lvl1pPr algn="l">
+              <a:defRPr sz="1200"/>
+            </a:lvl1pPr>
+          </a:lstStyle>
+          <a:p>
+            <a:endParaRPr lang="en-US"/>
+          </a:p>
+        </p:txBody>
+      </p:sp>
+      <p:sp>
+        <p:nvSpPr>
+          <p:cNvPr id="7" name="Slide Number Placeholder 6"/>
+          <p:cNvSpPr>
+            <a:spLocks noGrp="1"/>
+          </p:cNvSpPr>
+          <p:nvPr>
+            <p:ph type="sldNum" sz="quarter" idx="5"/>
+          </p:nvPr>
+        </p:nvSpPr>
+        <p:spPr>
+          <a:xfrm>
+            <a:off x="3884613" y="8685213"/>
+            <a:ext cx="2971800" cy="458787"/>
+          </a:xfrm>
+          <a:prstGeom prst="rect">
+            <a:avLst/>
+          </a:prstGeom>
+        </p:spPr>
+        <p:txBody>
+          <a:bodyPr vert="horz" lIns="91440" tIns="45720" rIns="91440" bIns="45720" rtlCol="0" anchor="b"/>
+          <a:lstStyle>
+            <a:lvl1pPr algn="r">
+              <a:defRPr sz="1200"/>
+            </a:lvl1pPr>
+          </a:lstStyle>
+          <a:p>
+            <a:fld id="{0DEA127D-A42A-754D-888B-A39B1C8F6D9F}" type="slidenum">
+              <a:rPr lang="en-US" smtClean="0"/>
+              <a:t>‹#›</a:t>
+            </a:fld>
+            <a:endParaRPr lang="en-US"/>
+          </a:p>
+        </p:txBody>
+      </p:sp>
+    </p:spTree>
+    <p:extLst>
+      <p:ext uri="{BB962C8B-B14F-4D97-AF65-F5344CB8AC3E}">
+        <p14:creationId xmlns:p14="http://schemas.microsoft.com/office/powerpoint/2010/main" val="2183594224"/>
+      </p:ext>
+    </p:extLst>
+  </p:cSld>
+  <p:clrMap bg1="lt1" tx1="dk1" bg2="lt2" tx2="dk2" accent1="accent1" accent2="accent2" accent3="accent3" accent4="accent4" accent5="accent5" accent6="accent6" hlink="hlink" folHlink="folHlink"/>
+  <p:notesStyle>
+    <a:lvl1pPr marL="0" algn="l" defTabSz="914400" rtl="0" eaLnBrk="1" latinLnBrk="0" hangingPunct="1">
+      <a:defRPr sz="1200" kern="1200">
+        <a:solidFill>
+          <a:schemeClr val="tx1"/>
+        </a:solidFill>
+        <a:latin typeface="+mn-lt"/>
+        <a:ea typeface="+mn-ea"/>
+        <a:cs typeface="+mn-cs"/>
+      </a:defRPr>
+    </a:lvl1pPr>
+    <a:lvl2pPr marL="457200" algn="l" defTabSz="914400" rtl="0" eaLnBrk="1" latinLnBrk="0" hangingPunct="1">
+      <a:defRPr sz="1200" kern="1200">
+        <a:solidFill>
+          <a:schemeClr val="tx1"/>
+        </a:solidFill>
+        <a:latin typeface="+mn-lt"/>
+        <a:ea typeface="+mn-ea"/>
+        <a:cs typeface="+mn-cs"/>
+      </a:defRPr>
+    </a:lvl2pPr>
+    <a:lvl3pPr marL="914400" algn="l" defTabSz="914400" rtl="0" eaLnBrk="1" latinLnBrk="0" hangingPunct="1">
+      <a:defRPr sz="1200" kern="1200">
+        <a:solidFill>
+          <a:schemeClr val="tx1"/>
+        </a:solidFill>
+        <a:latin typeface="+mn-lt"/>
+        <a:ea typeface="+mn-ea"/>
+        <a:cs typeface="+mn-cs"/>
+      </a:defRPr>
+    </a:lvl3pPr>
+    <a:lvl4pPr marL="1371600" algn="l" defTabSz="914400" rtl="0" eaLnBrk="1" latinLnBrk="0" hangingPunct="1">
+      <a:defRPr sz="1200" kern="1200">
+        <a:solidFill>
+          <a:schemeClr val="tx1"/>
+        </a:solidFill>
+        <a:latin typeface="+mn-lt"/>
+        <a:ea typeface="+mn-ea"/>
+        <a:cs typeface="+mn-cs"/>
+      </a:defRPr>
+    </a:lvl4pPr>
+    <a:lvl5pPr marL="1828800" algn="l" defTabSz="914400" rtl="0" eaLnBrk="1" latinLnBrk="0" hangingPunct="1">
+      <a:defRPr sz="1200" kern="1200">
+        <a:solidFill>
+          <a:schemeClr val="tx1"/>
+        </a:solidFill>
+        <a:latin typeface="+mn-lt"/>
+        <a:ea typeface="+mn-ea"/>
+        <a:cs typeface="+mn-cs"/>
+      </a:defRPr>
+    </a:lvl5pPr>
+    <a:lvl6pPr marL="2286000" algn="l" defTabSz="914400" rtl="0" eaLnBrk="1" latinLnBrk="0" hangingPunct="1">
+      <a:defRPr sz="1200" kern="1200">
+        <a:solidFill>
+          <a:schemeClr val="tx1"/>
+        </a:solidFill>
+        <a:latin typeface="+mn-lt"/>
+        <a:ea typeface="+mn-ea"/>
+        <a:cs typeface="+mn-cs"/>
+      </a:defRPr>
+    </a:lvl6pPr>
+    <a:lvl7pPr marL="2743200" algn="l" defTabSz="914400" rtl="0" eaLnBrk="1" latinLnBrk="0" hangingPunct="1">
+      <a:defRPr sz="1200" kern="1200">
+        <a:solidFill>
+          <a:schemeClr val="tx1"/>
+        </a:solidFill>
+        <a:latin typeface="+mn-lt"/>
+        <a:ea typeface="+mn-ea"/>
+        <a:cs typeface="+mn-cs"/>
+      </a:defRPr>
+    </a:lvl7pPr>
+    <a:lvl8pPr marL="3200400" algn="l" defTabSz="914400" rtl="0" eaLnBrk="1" latinLnBrk="0" hangingPunct="1">
+      <a:defRPr sz="1200" kern="1200">
+        <a:solidFill>
+          <a:schemeClr val="tx1"/>
+        </a:solidFill>
+        <a:latin typeface="+mn-lt"/>
+        <a:ea typeface="+mn-ea"/>
+        <a:cs typeface="+mn-cs"/>
+      </a:defRPr>
+    </a:lvl8pPr>
+    <a:lvl9pPr marL="3657600" algn="l" defTabSz="914400" rtl="0" eaLnBrk="1" latinLnBrk="0" hangingPunct="1">
+      <a:defRPr sz="1200" kern="1200">
+        <a:solidFill>
+          <a:schemeClr val="tx1"/>
+        </a:solidFill>
+        <a:latin typeface="+mn-lt"/>
+        <a:ea typeface="+mn-ea"/>
+        <a:cs typeface="+mn-cs"/>
+      </a:defRPr>
+    </a:lvl9pPr>
+  </p:notesStyle>
+</p:notesMaster>
+</file>
+
+<file path=ppt/notesSlides/notesSlide1.xml><?xml version="1.0" encoding="utf-8"?>
+<p:notes xmlns:a="http://schemas.openxmlformats.org/drawingml/2006/main" xmlns:r="http://schemas.openxmlformats.org/officeDocument/2006/relationships" xmlns:p="http://schemas.openxmlformats.org/presentationml/2006/main">
+  <p:cSld>
+    <p:spTree>
+      <p:nvGrpSpPr>
+        <p:cNvPr id="1" name=""/>
+        <p:cNvGrpSpPr/>
+        <p:nvPr/>
+      </p:nvGrpSpPr>
+      <p:grpSpPr>
+        <a:xfrm>
+          <a:off x="0" y="0"/>
+          <a:ext cx="0" cy="0"/>
+          <a:chOff x="0" y="0"/>
+          <a:chExt cx="0" cy="0"/>
+        </a:xfrm>
+      </p:grpSpPr>
+      <p:sp>
+        <p:nvSpPr>
+          <p:cNvPr id="2" name="Slide Image Placeholder 1"/>
+          <p:cNvSpPr>
+            <a:spLocks noGrp="1" noRot="1" noChangeAspect="1"/>
+          </p:cNvSpPr>
+          <p:nvPr>
+            <p:ph type="sldImg"/>
+          </p:nvPr>
+        </p:nvSpPr>
+        <p:spPr/>
+      </p:sp>
+      <p:sp>
+        <p:nvSpPr>
+          <p:cNvPr id="3" name="Notes Placeholder 2"/>
+          <p:cNvSpPr>
+            <a:spLocks noGrp="1"/>
+          </p:cNvSpPr>
+          <p:nvPr>
+            <p:ph type="body" idx="1"/>
+          </p:nvPr>
+        </p:nvSpPr>
+        <p:spPr/>
+        <p:txBody>
+          <a:bodyPr/>
+          <a:lstStyle/>
+          <a:p>
+            <a:r>
+              <a:rPr lang="en-US" dirty="0" err="1"/>
+              <a:t>MAddie</a:t>
+            </a:r>
+            <a:endParaRPr lang="en-US" dirty="0"/>
+          </a:p>
+        </p:txBody>
+      </p:sp>
+      <p:sp>
+        <p:nvSpPr>
+          <p:cNvPr id="4" name="Slide Number Placeholder 3"/>
+          <p:cNvSpPr>
+            <a:spLocks noGrp="1"/>
+          </p:cNvSpPr>
+          <p:nvPr>
+            <p:ph type="sldNum" sz="quarter" idx="5"/>
+          </p:nvPr>
+        </p:nvSpPr>
+        <p:spPr/>
+        <p:txBody>
+          <a:bodyPr/>
+          <a:lstStyle/>
+          <a:p>
+            <a:fld id="{0DEA127D-A42A-754D-888B-A39B1C8F6D9F}" type="slidenum">
+              <a:rPr lang="en-US" smtClean="0"/>
+              <a:t>1</a:t>
+            </a:fld>
+            <a:endParaRPr lang="en-US"/>
+          </a:p>
+        </p:txBody>
+      </p:sp>
+    </p:spTree>
+    <p:extLst>
+      <p:ext uri="{BB962C8B-B14F-4D97-AF65-F5344CB8AC3E}">
+        <p14:creationId xmlns:p14="http://schemas.microsoft.com/office/powerpoint/2010/main" val="24389565"/>
+      </p:ext>
+    </p:extLst>
+  </p:cSld>
+  <p:clrMapOvr>
+    <a:masterClrMapping/>
+  </p:clrMapOvr>
+</p:notes>
+</file>
+
+<file path=ppt/notesSlides/notesSlide10.xml><?xml version="1.0" encoding="utf-8"?>
+<p:notes xmlns:a="http://schemas.openxmlformats.org/drawingml/2006/main" xmlns:r="http://schemas.openxmlformats.org/officeDocument/2006/relationships" xmlns:p="http://schemas.openxmlformats.org/presentationml/2006/main">
+  <p:cSld>
+    <p:spTree>
+      <p:nvGrpSpPr>
+        <p:cNvPr id="1" name=""/>
+        <p:cNvGrpSpPr/>
+        <p:nvPr/>
+      </p:nvGrpSpPr>
+      <p:grpSpPr>
+        <a:xfrm>
+          <a:off x="0" y="0"/>
+          <a:ext cx="0" cy="0"/>
+          <a:chOff x="0" y="0"/>
+          <a:chExt cx="0" cy="0"/>
+        </a:xfrm>
+      </p:grpSpPr>
+      <p:sp>
+        <p:nvSpPr>
+          <p:cNvPr id="2" name="Slide Image Placeholder 1"/>
+          <p:cNvSpPr>
+            <a:spLocks noGrp="1" noRot="1" noChangeAspect="1"/>
+          </p:cNvSpPr>
+          <p:nvPr>
+            <p:ph type="sldImg"/>
+          </p:nvPr>
+        </p:nvSpPr>
+        <p:spPr/>
+      </p:sp>
+      <p:sp>
+        <p:nvSpPr>
+          <p:cNvPr id="3" name="Notes Placeholder 2"/>
+          <p:cNvSpPr>
+            <a:spLocks noGrp="1"/>
+          </p:cNvSpPr>
+          <p:nvPr>
+            <p:ph type="body" idx="1"/>
+          </p:nvPr>
+        </p:nvSpPr>
+        <p:spPr/>
+        <p:txBody>
+          <a:bodyPr/>
+          <a:lstStyle/>
+          <a:p>
+            <a:r>
+              <a:rPr lang="en-US" dirty="0"/>
+              <a:t>Peter</a:t>
+            </a:r>
+          </a:p>
+        </p:txBody>
+      </p:sp>
+      <p:sp>
+        <p:nvSpPr>
+          <p:cNvPr id="4" name="Slide Number Placeholder 3"/>
+          <p:cNvSpPr>
+            <a:spLocks noGrp="1"/>
+          </p:cNvSpPr>
+          <p:nvPr>
+            <p:ph type="sldNum" sz="quarter" idx="5"/>
+          </p:nvPr>
+        </p:nvSpPr>
+        <p:spPr/>
+        <p:txBody>
+          <a:bodyPr/>
+          <a:lstStyle/>
+          <a:p>
+            <a:fld id="{0DEA127D-A42A-754D-888B-A39B1C8F6D9F}" type="slidenum">
+              <a:rPr lang="en-US" smtClean="0"/>
+              <a:t>10</a:t>
+            </a:fld>
+            <a:endParaRPr lang="en-US"/>
+          </a:p>
+        </p:txBody>
+      </p:sp>
+    </p:spTree>
+    <p:extLst>
+      <p:ext uri="{BB962C8B-B14F-4D97-AF65-F5344CB8AC3E}">
+        <p14:creationId xmlns:p14="http://schemas.microsoft.com/office/powerpoint/2010/main" val="1155406175"/>
+      </p:ext>
+    </p:extLst>
+  </p:cSld>
+  <p:clrMapOvr>
+    <a:masterClrMapping/>
+  </p:clrMapOvr>
+</p:notes>
+</file>
+
+<file path=ppt/notesSlides/notesSlide11.xml><?xml version="1.0" encoding="utf-8"?>
+<p:notes xmlns:a="http://schemas.openxmlformats.org/drawingml/2006/main" xmlns:r="http://schemas.openxmlformats.org/officeDocument/2006/relationships" xmlns:p="http://schemas.openxmlformats.org/presentationml/2006/main">
+  <p:cSld>
+    <p:spTree>
+      <p:nvGrpSpPr>
+        <p:cNvPr id="1" name=""/>
+        <p:cNvGrpSpPr/>
+        <p:nvPr/>
+      </p:nvGrpSpPr>
+      <p:grpSpPr>
+        <a:xfrm>
+          <a:off x="0" y="0"/>
+          <a:ext cx="0" cy="0"/>
+          <a:chOff x="0" y="0"/>
+          <a:chExt cx="0" cy="0"/>
+        </a:xfrm>
+      </p:grpSpPr>
+      <p:sp>
+        <p:nvSpPr>
+          <p:cNvPr id="2" name="Slide Image Placeholder 1"/>
+          <p:cNvSpPr>
+            <a:spLocks noGrp="1" noRot="1" noChangeAspect="1"/>
+          </p:cNvSpPr>
+          <p:nvPr>
+            <p:ph type="sldImg"/>
+          </p:nvPr>
+        </p:nvSpPr>
+        <p:spPr/>
+      </p:sp>
+      <p:sp>
+        <p:nvSpPr>
+          <p:cNvPr id="3" name="Notes Placeholder 2"/>
+          <p:cNvSpPr>
+            <a:spLocks noGrp="1"/>
+          </p:cNvSpPr>
+          <p:nvPr>
+            <p:ph type="body" idx="1"/>
+          </p:nvPr>
+        </p:nvSpPr>
+        <p:spPr/>
+        <p:txBody>
+          <a:bodyPr/>
+          <a:lstStyle/>
+          <a:p>
+            <a:r>
+              <a:rPr lang="en-US" dirty="0"/>
+              <a:t>Peter</a:t>
+            </a:r>
+          </a:p>
+        </p:txBody>
+      </p:sp>
+      <p:sp>
+        <p:nvSpPr>
+          <p:cNvPr id="4" name="Slide Number Placeholder 3"/>
+          <p:cNvSpPr>
+            <a:spLocks noGrp="1"/>
+          </p:cNvSpPr>
+          <p:nvPr>
+            <p:ph type="sldNum" sz="quarter" idx="5"/>
+          </p:nvPr>
+        </p:nvSpPr>
+        <p:spPr/>
+        <p:txBody>
+          <a:bodyPr/>
+          <a:lstStyle/>
+          <a:p>
+            <a:fld id="{0DEA127D-A42A-754D-888B-A39B1C8F6D9F}" type="slidenum">
+              <a:rPr lang="en-US" smtClean="0"/>
+              <a:t>11</a:t>
+            </a:fld>
+            <a:endParaRPr lang="en-US"/>
+          </a:p>
+        </p:txBody>
+      </p:sp>
+    </p:spTree>
+    <p:extLst>
+      <p:ext uri="{BB962C8B-B14F-4D97-AF65-F5344CB8AC3E}">
+        <p14:creationId xmlns:p14="http://schemas.microsoft.com/office/powerpoint/2010/main" val="2285515335"/>
+      </p:ext>
+    </p:extLst>
+  </p:cSld>
+  <p:clrMapOvr>
+    <a:masterClrMapping/>
+  </p:clrMapOvr>
+</p:notes>
+</file>
+
+<file path=ppt/notesSlides/notesSlide12.xml><?xml version="1.0" encoding="utf-8"?>
+<p:notes xmlns:a="http://schemas.openxmlformats.org/drawingml/2006/main" xmlns:r="http://schemas.openxmlformats.org/officeDocument/2006/relationships" xmlns:p="http://schemas.openxmlformats.org/presentationml/2006/main">
+  <p:cSld>
+    <p:spTree>
+      <p:nvGrpSpPr>
+        <p:cNvPr id="1" name=""/>
+        <p:cNvGrpSpPr/>
+        <p:nvPr/>
+      </p:nvGrpSpPr>
+      <p:grpSpPr>
+        <a:xfrm>
+          <a:off x="0" y="0"/>
+          <a:ext cx="0" cy="0"/>
+          <a:chOff x="0" y="0"/>
+          <a:chExt cx="0" cy="0"/>
+        </a:xfrm>
+      </p:grpSpPr>
+      <p:sp>
+        <p:nvSpPr>
+          <p:cNvPr id="2" name="Slide Image Placeholder 1"/>
+          <p:cNvSpPr>
+            <a:spLocks noGrp="1" noRot="1" noChangeAspect="1"/>
+          </p:cNvSpPr>
+          <p:nvPr>
+            <p:ph type="sldImg"/>
+          </p:nvPr>
+        </p:nvSpPr>
+        <p:spPr/>
+      </p:sp>
+      <p:sp>
+        <p:nvSpPr>
+          <p:cNvPr id="3" name="Notes Placeholder 2"/>
+          <p:cNvSpPr>
+            <a:spLocks noGrp="1"/>
+          </p:cNvSpPr>
+          <p:nvPr>
+            <p:ph type="body" idx="1"/>
+          </p:nvPr>
+        </p:nvSpPr>
+        <p:spPr/>
+        <p:txBody>
+          <a:bodyPr/>
+          <a:lstStyle/>
+          <a:p>
+            <a:r>
+              <a:rPr lang="en-US" dirty="0"/>
+              <a:t>Peter</a:t>
+            </a:r>
+          </a:p>
+        </p:txBody>
+      </p:sp>
+      <p:sp>
+        <p:nvSpPr>
+          <p:cNvPr id="4" name="Slide Number Placeholder 3"/>
+          <p:cNvSpPr>
+            <a:spLocks noGrp="1"/>
+          </p:cNvSpPr>
+          <p:nvPr>
+            <p:ph type="sldNum" sz="quarter" idx="5"/>
+          </p:nvPr>
+        </p:nvSpPr>
+        <p:spPr/>
+        <p:txBody>
+          <a:bodyPr/>
+          <a:lstStyle/>
+          <a:p>
+            <a:fld id="{0DEA127D-A42A-754D-888B-A39B1C8F6D9F}" type="slidenum">
+              <a:rPr lang="en-US" smtClean="0"/>
+              <a:t>12</a:t>
+            </a:fld>
+            <a:endParaRPr lang="en-US"/>
+          </a:p>
+        </p:txBody>
+      </p:sp>
+    </p:spTree>
+    <p:extLst>
+      <p:ext uri="{BB962C8B-B14F-4D97-AF65-F5344CB8AC3E}">
+        <p14:creationId xmlns:p14="http://schemas.microsoft.com/office/powerpoint/2010/main" val="2233680995"/>
+      </p:ext>
+    </p:extLst>
+  </p:cSld>
+  <p:clrMapOvr>
+    <a:masterClrMapping/>
+  </p:clrMapOvr>
+</p:notes>
+</file>
+
+<file path=ppt/notesSlides/notesSlide2.xml><?xml version="1.0" encoding="utf-8"?>
+<p:notes xmlns:a="http://schemas.openxmlformats.org/drawingml/2006/main" xmlns:r="http://schemas.openxmlformats.org/officeDocument/2006/relationships" xmlns:p="http://schemas.openxmlformats.org/presentationml/2006/main">
+  <p:cSld>
+    <p:spTree>
+      <p:nvGrpSpPr>
+        <p:cNvPr id="1" name=""/>
+        <p:cNvGrpSpPr/>
+        <p:nvPr/>
+      </p:nvGrpSpPr>
+      <p:grpSpPr>
+        <a:xfrm>
+          <a:off x="0" y="0"/>
+          <a:ext cx="0" cy="0"/>
+          <a:chOff x="0" y="0"/>
+          <a:chExt cx="0" cy="0"/>
+        </a:xfrm>
+      </p:grpSpPr>
+      <p:sp>
+        <p:nvSpPr>
+          <p:cNvPr id="2" name="Slide Image Placeholder 1"/>
+          <p:cNvSpPr>
+            <a:spLocks noGrp="1" noRot="1" noChangeAspect="1"/>
+          </p:cNvSpPr>
+          <p:nvPr>
+            <p:ph type="sldImg"/>
+          </p:nvPr>
+        </p:nvSpPr>
+        <p:spPr/>
+      </p:sp>
+      <p:sp>
+        <p:nvSpPr>
+          <p:cNvPr id="3" name="Notes Placeholder 2"/>
+          <p:cNvSpPr>
+            <a:spLocks noGrp="1"/>
+          </p:cNvSpPr>
+          <p:nvPr>
+            <p:ph type="body" idx="1"/>
+          </p:nvPr>
+        </p:nvSpPr>
+        <p:spPr/>
+        <p:txBody>
+          <a:bodyPr/>
+          <a:lstStyle/>
+          <a:p>
+            <a:r>
+              <a:rPr lang="en-US" dirty="0"/>
+              <a:t>Maddie</a:t>
+            </a:r>
+          </a:p>
+        </p:txBody>
+      </p:sp>
+      <p:sp>
+        <p:nvSpPr>
+          <p:cNvPr id="4" name="Slide Number Placeholder 3"/>
+          <p:cNvSpPr>
+            <a:spLocks noGrp="1"/>
+          </p:cNvSpPr>
+          <p:nvPr>
+            <p:ph type="sldNum" sz="quarter" idx="5"/>
+          </p:nvPr>
+        </p:nvSpPr>
+        <p:spPr/>
+        <p:txBody>
+          <a:bodyPr/>
+          <a:lstStyle/>
+          <a:p>
+            <a:fld id="{0DEA127D-A42A-754D-888B-A39B1C8F6D9F}" type="slidenum">
+              <a:rPr lang="en-US" smtClean="0"/>
+              <a:t>2</a:t>
+            </a:fld>
+            <a:endParaRPr lang="en-US"/>
+          </a:p>
+        </p:txBody>
+      </p:sp>
+    </p:spTree>
+    <p:extLst>
+      <p:ext uri="{BB962C8B-B14F-4D97-AF65-F5344CB8AC3E}">
+        <p14:creationId xmlns:p14="http://schemas.microsoft.com/office/powerpoint/2010/main" val="3992930971"/>
+      </p:ext>
+    </p:extLst>
+  </p:cSld>
+  <p:clrMapOvr>
+    <a:masterClrMapping/>
+  </p:clrMapOvr>
+</p:notes>
+</file>
+
+<file path=ppt/notesSlides/notesSlide3.xml><?xml version="1.0" encoding="utf-8"?>
+<p:notes xmlns:a="http://schemas.openxmlformats.org/drawingml/2006/main" xmlns:r="http://schemas.openxmlformats.org/officeDocument/2006/relationships" xmlns:p="http://schemas.openxmlformats.org/presentationml/2006/main">
+  <p:cSld>
+    <p:spTree>
+      <p:nvGrpSpPr>
+        <p:cNvPr id="1" name=""/>
+        <p:cNvGrpSpPr/>
+        <p:nvPr/>
+      </p:nvGrpSpPr>
+      <p:grpSpPr>
+        <a:xfrm>
+          <a:off x="0" y="0"/>
+          <a:ext cx="0" cy="0"/>
+          <a:chOff x="0" y="0"/>
+          <a:chExt cx="0" cy="0"/>
+        </a:xfrm>
+      </p:grpSpPr>
+      <p:sp>
+        <p:nvSpPr>
+          <p:cNvPr id="2" name="Slide Image Placeholder 1"/>
+          <p:cNvSpPr>
+            <a:spLocks noGrp="1" noRot="1" noChangeAspect="1"/>
+          </p:cNvSpPr>
+          <p:nvPr>
+            <p:ph type="sldImg"/>
+          </p:nvPr>
+        </p:nvSpPr>
+        <p:spPr/>
+      </p:sp>
+      <p:sp>
+        <p:nvSpPr>
+          <p:cNvPr id="3" name="Notes Placeholder 2"/>
+          <p:cNvSpPr>
+            <a:spLocks noGrp="1"/>
+          </p:cNvSpPr>
+          <p:nvPr>
+            <p:ph type="body" idx="1"/>
+          </p:nvPr>
+        </p:nvSpPr>
+        <p:spPr/>
+        <p:txBody>
+          <a:bodyPr/>
+          <a:lstStyle/>
+          <a:p>
+            <a:r>
+              <a:rPr lang="en-US" dirty="0"/>
+              <a:t>Maddie</a:t>
+            </a:r>
+          </a:p>
+        </p:txBody>
+      </p:sp>
+      <p:sp>
+        <p:nvSpPr>
+          <p:cNvPr id="4" name="Slide Number Placeholder 3"/>
+          <p:cNvSpPr>
+            <a:spLocks noGrp="1"/>
+          </p:cNvSpPr>
+          <p:nvPr>
+            <p:ph type="sldNum" sz="quarter" idx="5"/>
+          </p:nvPr>
+        </p:nvSpPr>
+        <p:spPr/>
+        <p:txBody>
+          <a:bodyPr/>
+          <a:lstStyle/>
+          <a:p>
+            <a:fld id="{0DEA127D-A42A-754D-888B-A39B1C8F6D9F}" type="slidenum">
+              <a:rPr lang="en-US" smtClean="0"/>
+              <a:t>3</a:t>
+            </a:fld>
+            <a:endParaRPr lang="en-US"/>
+          </a:p>
+        </p:txBody>
+      </p:sp>
+    </p:spTree>
+    <p:extLst>
+      <p:ext uri="{BB962C8B-B14F-4D97-AF65-F5344CB8AC3E}">
+        <p14:creationId xmlns:p14="http://schemas.microsoft.com/office/powerpoint/2010/main" val="1857592016"/>
+      </p:ext>
+    </p:extLst>
+  </p:cSld>
+  <p:clrMapOvr>
+    <a:masterClrMapping/>
+  </p:clrMapOvr>
+</p:notes>
+</file>
+
+<file path=ppt/notesSlides/notesSlide4.xml><?xml version="1.0" encoding="utf-8"?>
+<p:notes xmlns:a="http://schemas.openxmlformats.org/drawingml/2006/main" xmlns:r="http://schemas.openxmlformats.org/officeDocument/2006/relationships" xmlns:p="http://schemas.openxmlformats.org/presentationml/2006/main">
+  <p:cSld>
+    <p:spTree>
+      <p:nvGrpSpPr>
+        <p:cNvPr id="1" name=""/>
+        <p:cNvGrpSpPr/>
+        <p:nvPr/>
+      </p:nvGrpSpPr>
+      <p:grpSpPr>
+        <a:xfrm>
+          <a:off x="0" y="0"/>
+          <a:ext cx="0" cy="0"/>
+          <a:chOff x="0" y="0"/>
+          <a:chExt cx="0" cy="0"/>
+        </a:xfrm>
+      </p:grpSpPr>
+      <p:sp>
+        <p:nvSpPr>
+          <p:cNvPr id="2" name="Slide Image Placeholder 1"/>
+          <p:cNvSpPr>
+            <a:spLocks noGrp="1" noRot="1" noChangeAspect="1"/>
+          </p:cNvSpPr>
+          <p:nvPr>
+            <p:ph type="sldImg"/>
+          </p:nvPr>
+        </p:nvSpPr>
+        <p:spPr/>
+      </p:sp>
+      <p:sp>
+        <p:nvSpPr>
+          <p:cNvPr id="3" name="Notes Placeholder 2"/>
+          <p:cNvSpPr>
+            <a:spLocks noGrp="1"/>
+          </p:cNvSpPr>
+          <p:nvPr>
+            <p:ph type="body" idx="1"/>
+          </p:nvPr>
+        </p:nvSpPr>
+        <p:spPr/>
+        <p:txBody>
+          <a:bodyPr/>
+          <a:lstStyle/>
+          <a:p>
+            <a:r>
+              <a:rPr lang="en-US" dirty="0"/>
+              <a:t>Joy</a:t>
+            </a:r>
+          </a:p>
+        </p:txBody>
+      </p:sp>
+      <p:sp>
+        <p:nvSpPr>
+          <p:cNvPr id="4" name="Slide Number Placeholder 3"/>
+          <p:cNvSpPr>
+            <a:spLocks noGrp="1"/>
+          </p:cNvSpPr>
+          <p:nvPr>
+            <p:ph type="sldNum" sz="quarter" idx="5"/>
+          </p:nvPr>
+        </p:nvSpPr>
+        <p:spPr/>
+        <p:txBody>
+          <a:bodyPr/>
+          <a:lstStyle/>
+          <a:p>
+            <a:fld id="{0DEA127D-A42A-754D-888B-A39B1C8F6D9F}" type="slidenum">
+              <a:rPr lang="en-US" smtClean="0"/>
+              <a:t>4</a:t>
+            </a:fld>
+            <a:endParaRPr lang="en-US"/>
+          </a:p>
+        </p:txBody>
+      </p:sp>
+    </p:spTree>
+    <p:extLst>
+      <p:ext uri="{BB962C8B-B14F-4D97-AF65-F5344CB8AC3E}">
+        <p14:creationId xmlns:p14="http://schemas.microsoft.com/office/powerpoint/2010/main" val="599445639"/>
+      </p:ext>
+    </p:extLst>
+  </p:cSld>
+  <p:clrMapOvr>
+    <a:masterClrMapping/>
+  </p:clrMapOvr>
+</p:notes>
+</file>
+
+<file path=ppt/notesSlides/notesSlide5.xml><?xml version="1.0" encoding="utf-8"?>
+<p:notes xmlns:a="http://schemas.openxmlformats.org/drawingml/2006/main" xmlns:r="http://schemas.openxmlformats.org/officeDocument/2006/relationships" xmlns:p="http://schemas.openxmlformats.org/presentationml/2006/main">
+  <p:cSld>
+    <p:spTree>
+      <p:nvGrpSpPr>
+        <p:cNvPr id="1" name=""/>
+        <p:cNvGrpSpPr/>
+        <p:nvPr/>
+      </p:nvGrpSpPr>
+      <p:grpSpPr>
+        <a:xfrm>
+          <a:off x="0" y="0"/>
+          <a:ext cx="0" cy="0"/>
+          <a:chOff x="0" y="0"/>
+          <a:chExt cx="0" cy="0"/>
+        </a:xfrm>
+      </p:grpSpPr>
+      <p:sp>
+        <p:nvSpPr>
+          <p:cNvPr id="2" name="Slide Image Placeholder 1"/>
+          <p:cNvSpPr>
+            <a:spLocks noGrp="1" noRot="1" noChangeAspect="1"/>
+          </p:cNvSpPr>
+          <p:nvPr>
+            <p:ph type="sldImg"/>
+          </p:nvPr>
+        </p:nvSpPr>
+        <p:spPr/>
+      </p:sp>
+      <p:sp>
+        <p:nvSpPr>
+          <p:cNvPr id="3" name="Notes Placeholder 2"/>
+          <p:cNvSpPr>
+            <a:spLocks noGrp="1"/>
+          </p:cNvSpPr>
+          <p:nvPr>
+            <p:ph type="body" idx="1"/>
+          </p:nvPr>
+        </p:nvSpPr>
+        <p:spPr/>
+        <p:txBody>
+          <a:bodyPr/>
+          <a:lstStyle/>
+          <a:p>
+            <a:r>
+              <a:rPr lang="en-US" dirty="0"/>
+              <a:t>Joy</a:t>
+            </a:r>
+          </a:p>
+        </p:txBody>
+      </p:sp>
+      <p:sp>
+        <p:nvSpPr>
+          <p:cNvPr id="4" name="Slide Number Placeholder 3"/>
+          <p:cNvSpPr>
+            <a:spLocks noGrp="1"/>
+          </p:cNvSpPr>
+          <p:nvPr>
+            <p:ph type="sldNum" sz="quarter" idx="5"/>
+          </p:nvPr>
+        </p:nvSpPr>
+        <p:spPr/>
+        <p:txBody>
+          <a:bodyPr/>
+          <a:lstStyle/>
+          <a:p>
+            <a:fld id="{0DEA127D-A42A-754D-888B-A39B1C8F6D9F}" type="slidenum">
+              <a:rPr lang="en-US" smtClean="0"/>
+              <a:t>5</a:t>
+            </a:fld>
+            <a:endParaRPr lang="en-US"/>
+          </a:p>
+        </p:txBody>
+      </p:sp>
+    </p:spTree>
+    <p:extLst>
+      <p:ext uri="{BB962C8B-B14F-4D97-AF65-F5344CB8AC3E}">
+        <p14:creationId xmlns:p14="http://schemas.microsoft.com/office/powerpoint/2010/main" val="1493974005"/>
+      </p:ext>
+    </p:extLst>
+  </p:cSld>
+  <p:clrMapOvr>
+    <a:masterClrMapping/>
+  </p:clrMapOvr>
+</p:notes>
+</file>
+
+<file path=ppt/notesSlides/notesSlide6.xml><?xml version="1.0" encoding="utf-8"?>
+<p:notes xmlns:a="http://schemas.openxmlformats.org/drawingml/2006/main" xmlns:r="http://schemas.openxmlformats.org/officeDocument/2006/relationships" xmlns:p="http://schemas.openxmlformats.org/presentationml/2006/main">
+  <p:cSld>
+    <p:spTree>
+      <p:nvGrpSpPr>
+        <p:cNvPr id="1" name=""/>
+        <p:cNvGrpSpPr/>
+        <p:nvPr/>
+      </p:nvGrpSpPr>
+      <p:grpSpPr>
+        <a:xfrm>
+          <a:off x="0" y="0"/>
+          <a:ext cx="0" cy="0"/>
+          <a:chOff x="0" y="0"/>
+          <a:chExt cx="0" cy="0"/>
+        </a:xfrm>
+      </p:grpSpPr>
+      <p:sp>
+        <p:nvSpPr>
+          <p:cNvPr id="2" name="Slide Image Placeholder 1"/>
+          <p:cNvSpPr>
+            <a:spLocks noGrp="1" noRot="1" noChangeAspect="1"/>
+          </p:cNvSpPr>
+          <p:nvPr>
+            <p:ph type="sldImg"/>
+          </p:nvPr>
+        </p:nvSpPr>
+        <p:spPr/>
+      </p:sp>
+      <p:sp>
+        <p:nvSpPr>
+          <p:cNvPr id="3" name="Notes Placeholder 2"/>
+          <p:cNvSpPr>
+            <a:spLocks noGrp="1"/>
+          </p:cNvSpPr>
+          <p:nvPr>
+            <p:ph type="body" idx="1"/>
+          </p:nvPr>
+        </p:nvSpPr>
+        <p:spPr/>
+        <p:txBody>
+          <a:bodyPr/>
+          <a:lstStyle/>
+          <a:p>
+            <a:r>
+              <a:rPr lang="en-US" dirty="0"/>
+              <a:t>Joy</a:t>
+            </a:r>
+          </a:p>
+        </p:txBody>
+      </p:sp>
+      <p:sp>
+        <p:nvSpPr>
+          <p:cNvPr id="4" name="Slide Number Placeholder 3"/>
+          <p:cNvSpPr>
+            <a:spLocks noGrp="1"/>
+          </p:cNvSpPr>
+          <p:nvPr>
+            <p:ph type="sldNum" sz="quarter" idx="5"/>
+          </p:nvPr>
+        </p:nvSpPr>
+        <p:spPr/>
+        <p:txBody>
+          <a:bodyPr/>
+          <a:lstStyle/>
+          <a:p>
+            <a:fld id="{0DEA127D-A42A-754D-888B-A39B1C8F6D9F}" type="slidenum">
+              <a:rPr lang="en-US" smtClean="0"/>
+              <a:t>6</a:t>
+            </a:fld>
+            <a:endParaRPr lang="en-US"/>
+          </a:p>
+        </p:txBody>
+      </p:sp>
+    </p:spTree>
+    <p:extLst>
+      <p:ext uri="{BB962C8B-B14F-4D97-AF65-F5344CB8AC3E}">
+        <p14:creationId xmlns:p14="http://schemas.microsoft.com/office/powerpoint/2010/main" val="3705998541"/>
+      </p:ext>
+    </p:extLst>
+  </p:cSld>
+  <p:clrMapOvr>
+    <a:masterClrMapping/>
+  </p:clrMapOvr>
+</p:notes>
+</file>
+
+<file path=ppt/notesSlides/notesSlide7.xml><?xml version="1.0" encoding="utf-8"?>
+<p:notes xmlns:a="http://schemas.openxmlformats.org/drawingml/2006/main" xmlns:r="http://schemas.openxmlformats.org/officeDocument/2006/relationships" xmlns:p="http://schemas.openxmlformats.org/presentationml/2006/main">
+  <p:cSld>
+    <p:spTree>
+      <p:nvGrpSpPr>
+        <p:cNvPr id="1" name=""/>
+        <p:cNvGrpSpPr/>
+        <p:nvPr/>
+      </p:nvGrpSpPr>
+      <p:grpSpPr>
+        <a:xfrm>
+          <a:off x="0" y="0"/>
+          <a:ext cx="0" cy="0"/>
+          <a:chOff x="0" y="0"/>
+          <a:chExt cx="0" cy="0"/>
+        </a:xfrm>
+      </p:grpSpPr>
+      <p:sp>
+        <p:nvSpPr>
+          <p:cNvPr id="2" name="Slide Image Placeholder 1"/>
+          <p:cNvSpPr>
+            <a:spLocks noGrp="1" noRot="1" noChangeAspect="1"/>
+          </p:cNvSpPr>
+          <p:nvPr>
+            <p:ph type="sldImg"/>
+          </p:nvPr>
+        </p:nvSpPr>
+        <p:spPr/>
+      </p:sp>
+      <p:sp>
+        <p:nvSpPr>
+          <p:cNvPr id="3" name="Notes Placeholder 2"/>
+          <p:cNvSpPr>
+            <a:spLocks noGrp="1"/>
+          </p:cNvSpPr>
+          <p:nvPr>
+            <p:ph type="body" idx="1"/>
+          </p:nvPr>
+        </p:nvSpPr>
+        <p:spPr/>
+        <p:txBody>
+          <a:bodyPr/>
+          <a:lstStyle/>
+          <a:p>
+            <a:r>
+              <a:rPr lang="en-US" dirty="0"/>
+              <a:t>Conner</a:t>
+            </a:r>
+          </a:p>
+        </p:txBody>
+      </p:sp>
+      <p:sp>
+        <p:nvSpPr>
+          <p:cNvPr id="4" name="Slide Number Placeholder 3"/>
+          <p:cNvSpPr>
+            <a:spLocks noGrp="1"/>
+          </p:cNvSpPr>
+          <p:nvPr>
+            <p:ph type="sldNum" sz="quarter" idx="5"/>
+          </p:nvPr>
+        </p:nvSpPr>
+        <p:spPr/>
+        <p:txBody>
+          <a:bodyPr/>
+          <a:lstStyle/>
+          <a:p>
+            <a:fld id="{0DEA127D-A42A-754D-888B-A39B1C8F6D9F}" type="slidenum">
+              <a:rPr lang="en-US" smtClean="0"/>
+              <a:t>7</a:t>
+            </a:fld>
+            <a:endParaRPr lang="en-US"/>
+          </a:p>
+        </p:txBody>
+      </p:sp>
+    </p:spTree>
+    <p:extLst>
+      <p:ext uri="{BB962C8B-B14F-4D97-AF65-F5344CB8AC3E}">
+        <p14:creationId xmlns:p14="http://schemas.microsoft.com/office/powerpoint/2010/main" val="3892355523"/>
+      </p:ext>
+    </p:extLst>
+  </p:cSld>
+  <p:clrMapOvr>
+    <a:masterClrMapping/>
+  </p:clrMapOvr>
+</p:notes>
+</file>
+
+<file path=ppt/notesSlides/notesSlide8.xml><?xml version="1.0" encoding="utf-8"?>
+<p:notes xmlns:a="http://schemas.openxmlformats.org/drawingml/2006/main" xmlns:r="http://schemas.openxmlformats.org/officeDocument/2006/relationships" xmlns:p="http://schemas.openxmlformats.org/presentationml/2006/main">
+  <p:cSld>
+    <p:spTree>
+      <p:nvGrpSpPr>
+        <p:cNvPr id="1" name=""/>
+        <p:cNvGrpSpPr/>
+        <p:nvPr/>
+      </p:nvGrpSpPr>
+      <p:grpSpPr>
+        <a:xfrm>
+          <a:off x="0" y="0"/>
+          <a:ext cx="0" cy="0"/>
+          <a:chOff x="0" y="0"/>
+          <a:chExt cx="0" cy="0"/>
+        </a:xfrm>
+      </p:grpSpPr>
+      <p:sp>
+        <p:nvSpPr>
+          <p:cNvPr id="2" name="Slide Image Placeholder 1"/>
+          <p:cNvSpPr>
+            <a:spLocks noGrp="1" noRot="1" noChangeAspect="1"/>
+          </p:cNvSpPr>
+          <p:nvPr>
+            <p:ph type="sldImg"/>
+          </p:nvPr>
+        </p:nvSpPr>
+        <p:spPr/>
+      </p:sp>
+      <p:sp>
+        <p:nvSpPr>
+          <p:cNvPr id="3" name="Notes Placeholder 2"/>
+          <p:cNvSpPr>
+            <a:spLocks noGrp="1"/>
+          </p:cNvSpPr>
+          <p:nvPr>
+            <p:ph type="body" idx="1"/>
+          </p:nvPr>
+        </p:nvSpPr>
+        <p:spPr/>
+        <p:txBody>
+          <a:bodyPr/>
+          <a:lstStyle/>
+          <a:p>
+            <a:r>
+              <a:rPr lang="en-US" dirty="0"/>
+              <a:t>Conner</a:t>
+            </a:r>
+          </a:p>
+        </p:txBody>
+      </p:sp>
+      <p:sp>
+        <p:nvSpPr>
+          <p:cNvPr id="4" name="Slide Number Placeholder 3"/>
+          <p:cNvSpPr>
+            <a:spLocks noGrp="1"/>
+          </p:cNvSpPr>
+          <p:nvPr>
+            <p:ph type="sldNum" sz="quarter" idx="5"/>
+          </p:nvPr>
+        </p:nvSpPr>
+        <p:spPr/>
+        <p:txBody>
+          <a:bodyPr/>
+          <a:lstStyle/>
+          <a:p>
+            <a:fld id="{0DEA127D-A42A-754D-888B-A39B1C8F6D9F}" type="slidenum">
+              <a:rPr lang="en-US" smtClean="0"/>
+              <a:t>8</a:t>
+            </a:fld>
+            <a:endParaRPr lang="en-US"/>
+          </a:p>
+        </p:txBody>
+      </p:sp>
+    </p:spTree>
+    <p:extLst>
+      <p:ext uri="{BB962C8B-B14F-4D97-AF65-F5344CB8AC3E}">
+        <p14:creationId xmlns:p14="http://schemas.microsoft.com/office/powerpoint/2010/main" val="2725510638"/>
+      </p:ext>
+    </p:extLst>
+  </p:cSld>
+  <p:clrMapOvr>
+    <a:masterClrMapping/>
+  </p:clrMapOvr>
+</p:notes>
+</file>
+
+<file path=ppt/notesSlides/notesSlide9.xml><?xml version="1.0" encoding="utf-8"?>
+<p:notes xmlns:a="http://schemas.openxmlformats.org/drawingml/2006/main" xmlns:r="http://schemas.openxmlformats.org/officeDocument/2006/relationships" xmlns:p="http://schemas.openxmlformats.org/presentationml/2006/main">
+  <p:cSld>
+    <p:spTree>
+      <p:nvGrpSpPr>
+        <p:cNvPr id="1" name=""/>
+        <p:cNvGrpSpPr/>
+        <p:nvPr/>
+      </p:nvGrpSpPr>
+      <p:grpSpPr>
+        <a:xfrm>
+          <a:off x="0" y="0"/>
+          <a:ext cx="0" cy="0"/>
+          <a:chOff x="0" y="0"/>
+          <a:chExt cx="0" cy="0"/>
+        </a:xfrm>
+      </p:grpSpPr>
+      <p:sp>
+        <p:nvSpPr>
+          <p:cNvPr id="2" name="Slide Image Placeholder 1"/>
+          <p:cNvSpPr>
+            <a:spLocks noGrp="1" noRot="1" noChangeAspect="1"/>
+          </p:cNvSpPr>
+          <p:nvPr>
+            <p:ph type="sldImg"/>
+          </p:nvPr>
+        </p:nvSpPr>
+        <p:spPr/>
+      </p:sp>
+      <p:sp>
+        <p:nvSpPr>
+          <p:cNvPr id="3" name="Notes Placeholder 2"/>
+          <p:cNvSpPr>
+            <a:spLocks noGrp="1"/>
+          </p:cNvSpPr>
+          <p:nvPr>
+            <p:ph type="body" idx="1"/>
+          </p:nvPr>
+        </p:nvSpPr>
+        <p:spPr/>
+        <p:txBody>
+          <a:bodyPr/>
+          <a:lstStyle/>
+          <a:p>
+            <a:r>
+              <a:rPr lang="en-US" dirty="0"/>
+              <a:t>Conner</a:t>
+            </a:r>
+          </a:p>
+        </p:txBody>
+      </p:sp>
+      <p:sp>
+        <p:nvSpPr>
+          <p:cNvPr id="4" name="Slide Number Placeholder 3"/>
+          <p:cNvSpPr>
+            <a:spLocks noGrp="1"/>
+          </p:cNvSpPr>
+          <p:nvPr>
+            <p:ph type="sldNum" sz="quarter" idx="5"/>
+          </p:nvPr>
+        </p:nvSpPr>
+        <p:spPr/>
+        <p:txBody>
+          <a:bodyPr/>
+          <a:lstStyle/>
+          <a:p>
+            <a:fld id="{0DEA127D-A42A-754D-888B-A39B1C8F6D9F}" type="slidenum">
+              <a:rPr lang="en-US" smtClean="0"/>
+              <a:t>9</a:t>
+            </a:fld>
+            <a:endParaRPr lang="en-US"/>
+          </a:p>
+        </p:txBody>
+      </p:sp>
+    </p:spTree>
+    <p:extLst>
+      <p:ext uri="{BB962C8B-B14F-4D97-AF65-F5344CB8AC3E}">
+        <p14:creationId xmlns:p14="http://schemas.microsoft.com/office/powerpoint/2010/main" val="3493200780"/>
+      </p:ext>
+    </p:extLst>
+  </p:cSld>
+  <p:clrMapOvr>
+    <a:masterClrMapping/>
+  </p:clrMapOvr>
+</p:notes>
+</file>
+
 <file path=ppt/slideLayouts/slideLayout1.xml><?xml version="1.0" encoding="utf-8"?>
 <p:sldLayout xmlns:a="http://schemas.openxmlformats.org/drawingml/2006/main" xmlns:r="http://schemas.openxmlformats.org/officeDocument/2006/relationships" xmlns:p="http://schemas.openxmlformats.org/presentationml/2006/main" type="title" preserve="1">
   <p:cSld name="Title Slide">
@@ -19281,7 +20684,7 @@
           <a:p>
             <a:fld id="{B5898F52-2787-4BA2-BBBC-9395E9F86D50}" type="datetimeFigureOut">
               <a:rPr lang="en-US" smtClean="0"/>
-              <a:t>4/9/22</a:t>
+              <a:t>4/10/22</a:t>
             </a:fld>
             <a:endParaRPr lang="en-US"/>
           </a:p>
@@ -19573,7 +20976,7 @@
             <a:fld id="{B5898F52-2787-4BA2-BBBC-9395E9F86D50}" type="datetimeFigureOut">
               <a:rPr lang="en-US" smtClean="0"/>
               <a:pPr/>
-              <a:t>4/9/22</a:t>
+              <a:t>4/10/22</a:t>
             </a:fld>
             <a:endParaRPr lang="en-US" dirty="0"/>
           </a:p>
@@ -19834,7 +21237,7 @@
             <a:fld id="{B5898F52-2787-4BA2-BBBC-9395E9F86D50}" type="datetimeFigureOut">
               <a:rPr lang="en-US" smtClean="0"/>
               <a:pPr/>
-              <a:t>4/9/22</a:t>
+              <a:t>4/10/22</a:t>
             </a:fld>
             <a:endParaRPr lang="en-US" dirty="0"/>
           </a:p>
@@ -20305,7 +21708,7 @@
             <a:fld id="{B5898F52-2787-4BA2-BBBC-9395E9F86D50}" type="datetimeFigureOut">
               <a:rPr lang="en-US" smtClean="0"/>
               <a:pPr/>
-              <a:t>4/9/22</a:t>
+              <a:t>4/10/22</a:t>
             </a:fld>
             <a:endParaRPr lang="en-US" dirty="0"/>
           </a:p>
@@ -20487,7 +21890,7 @@
             <a:fld id="{B5898F52-2787-4BA2-BBBC-9395E9F86D50}" type="datetimeFigureOut">
               <a:rPr lang="en-US" smtClean="0"/>
               <a:pPr/>
-              <a:t>4/9/22</a:t>
+              <a:t>4/10/22</a:t>
             </a:fld>
             <a:endParaRPr lang="en-US" dirty="0"/>
           </a:p>
@@ -21065,7 +22468,7 @@
             <a:fld id="{B5898F52-2787-4BA2-BBBC-9395E9F86D50}" type="datetimeFigureOut">
               <a:rPr lang="en-US" smtClean="0"/>
               <a:pPr/>
-              <a:t>4/9/22</a:t>
+              <a:t>4/10/22</a:t>
             </a:fld>
             <a:endParaRPr lang="en-US" dirty="0"/>
           </a:p>
@@ -21399,7 +22802,7 @@
             <a:fld id="{B5898F52-2787-4BA2-BBBC-9395E9F86D50}" type="datetimeFigureOut">
               <a:rPr lang="en-US" smtClean="0"/>
               <a:pPr/>
-              <a:t>4/9/22</a:t>
+              <a:t>4/10/22</a:t>
             </a:fld>
             <a:endParaRPr lang="en-US" dirty="0"/>
           </a:p>
@@ -21575,7 +22978,7 @@
           <a:p>
             <a:fld id="{B5898F52-2787-4BA2-BBBC-9395E9F86D50}" type="datetimeFigureOut">
               <a:rPr lang="en-US" smtClean="0"/>
-              <a:t>4/9/22</a:t>
+              <a:t>4/10/22</a:t>
             </a:fld>
             <a:endParaRPr lang="en-US"/>
           </a:p>
@@ -21755,7 +23158,7 @@
           <a:p>
             <a:fld id="{B5898F52-2787-4BA2-BBBC-9395E9F86D50}" type="datetimeFigureOut">
               <a:rPr lang="en-US" smtClean="0"/>
-              <a:t>4/9/22</a:t>
+              <a:t>4/10/22</a:t>
             </a:fld>
             <a:endParaRPr lang="en-US"/>
           </a:p>
@@ -21925,7 +23328,7 @@
           <a:p>
             <a:fld id="{B5898F52-2787-4BA2-BBBC-9395E9F86D50}" type="datetimeFigureOut">
               <a:rPr lang="en-US" smtClean="0"/>
-              <a:t>4/9/22</a:t>
+              <a:t>4/10/22</a:t>
             </a:fld>
             <a:endParaRPr lang="en-US"/>
           </a:p>
@@ -22182,7 +23585,7 @@
           <a:p>
             <a:fld id="{B5898F52-2787-4BA2-BBBC-9395E9F86D50}" type="datetimeFigureOut">
               <a:rPr lang="en-US" smtClean="0"/>
-              <a:t>4/9/22</a:t>
+              <a:t>4/10/22</a:t>
             </a:fld>
             <a:endParaRPr lang="en-US"/>
           </a:p>
@@ -22474,7 +23877,7 @@
           <a:p>
             <a:fld id="{B5898F52-2787-4BA2-BBBC-9395E9F86D50}" type="datetimeFigureOut">
               <a:rPr lang="en-US" smtClean="0"/>
-              <a:t>4/9/22</a:t>
+              <a:t>4/10/22</a:t>
             </a:fld>
             <a:endParaRPr lang="en-US"/>
           </a:p>
@@ -22909,7 +24312,7 @@
           <a:p>
             <a:fld id="{B5898F52-2787-4BA2-BBBC-9395E9F86D50}" type="datetimeFigureOut">
               <a:rPr lang="en-US" smtClean="0"/>
-              <a:t>4/9/22</a:t>
+              <a:t>4/10/22</a:t>
             </a:fld>
             <a:endParaRPr lang="en-US"/>
           </a:p>
@@ -23032,7 +24435,7 @@
           <a:p>
             <a:fld id="{B5898F52-2787-4BA2-BBBC-9395E9F86D50}" type="datetimeFigureOut">
               <a:rPr lang="en-US" smtClean="0"/>
-              <a:t>4/9/22</a:t>
+              <a:t>4/10/22</a:t>
             </a:fld>
             <a:endParaRPr lang="en-US"/>
           </a:p>
@@ -23127,7 +24530,7 @@
           <a:p>
             <a:fld id="{B5898F52-2787-4BA2-BBBC-9395E9F86D50}" type="datetimeFigureOut">
               <a:rPr lang="en-US" smtClean="0"/>
-              <a:t>4/9/22</a:t>
+              <a:t>4/10/22</a:t>
             </a:fld>
             <a:endParaRPr lang="en-US"/>
           </a:p>
@@ -23410,7 +24813,7 @@
           <a:p>
             <a:fld id="{B5898F52-2787-4BA2-BBBC-9395E9F86D50}" type="datetimeFigureOut">
               <a:rPr lang="en-US" smtClean="0"/>
-              <a:t>4/9/22</a:t>
+              <a:t>4/10/22</a:t>
             </a:fld>
             <a:endParaRPr lang="en-US"/>
           </a:p>
@@ -23706,7 +25109,7 @@
           <a:p>
             <a:fld id="{B5898F52-2787-4BA2-BBBC-9395E9F86D50}" type="datetimeFigureOut">
               <a:rPr lang="en-US" smtClean="0"/>
-              <a:t>4/9/22</a:t>
+              <a:t>4/10/22</a:t>
             </a:fld>
             <a:endParaRPr lang="en-US"/>
           </a:p>
@@ -23938,7 +25341,7 @@
             <a:fld id="{B5898F52-2787-4BA2-BBBC-9395E9F86D50}" type="datetimeFigureOut">
               <a:rPr lang="en-US" smtClean="0"/>
               <a:pPr/>
-              <a:t>4/9/22</a:t>
+              <a:t>4/10/22</a:t>
             </a:fld>
             <a:endParaRPr lang="en-US" dirty="0"/>
           </a:p>
@@ -24736,7 +26139,7 @@
           <p:nvPr/>
         </p:nvPicPr>
         <p:blipFill rotWithShape="1">
-          <a:blip r:embed="rId2"/>
+          <a:blip r:embed="rId3"/>
           <a:srcRect l="47495" r="7368" b="-2"/>
           <a:stretch/>
         </p:blipFill>
@@ -24880,7 +26283,7 @@
     <p:bg>
       <p:bgPr>
         <a:blipFill rotWithShape="1">
-          <a:blip r:embed="rId2">
+          <a:blip r:embed="rId3">
             <a:duotone>
               <a:schemeClr val="bg2">
                 <a:shade val="28000"/>
@@ -25203,7 +26606,7 @@
         </p:xfrm>
         <a:graphic>
           <a:graphicData uri="http://schemas.openxmlformats.org/drawingml/2006/diagram">
-            <dgm:relIds xmlns:dgm="http://schemas.openxmlformats.org/drawingml/2006/diagram" xmlns:r="http://schemas.openxmlformats.org/officeDocument/2006/relationships" r:dm="rId3" r:lo="rId4" r:qs="rId5" r:cs="rId6"/>
+            <dgm:relIds xmlns:dgm="http://schemas.openxmlformats.org/drawingml/2006/diagram" xmlns:r="http://schemas.openxmlformats.org/officeDocument/2006/relationships" r:dm="rId4" r:lo="rId5" r:qs="rId6" r:cs="rId7"/>
           </a:graphicData>
         </a:graphic>
       </p:graphicFrame>
@@ -25226,7 +26629,7 @@
     <p:bg>
       <p:bgPr>
         <a:blipFill rotWithShape="1">
-          <a:blip r:embed="rId2">
+          <a:blip r:embed="rId3">
             <a:duotone>
               <a:schemeClr val="bg2">
                 <a:shade val="28000"/>
@@ -25310,7 +26713,7 @@
           <p:nvPr/>
         </p:nvPicPr>
         <p:blipFill rotWithShape="1">
-          <a:blip r:embed="rId3"/>
+          <a:blip r:embed="rId4"/>
           <a:srcRect l="13833" r="58896" b="1"/>
           <a:stretch/>
         </p:blipFill>
@@ -25408,7 +26811,7 @@
     <p:bg>
       <p:bgPr>
         <a:blipFill rotWithShape="1">
-          <a:blip r:embed="rId2">
+          <a:blip r:embed="rId3">
             <a:duotone>
               <a:schemeClr val="bg2">
                 <a:shade val="28000"/>
@@ -25714,7 +27117,7 @@
             <p:ph idx="1"/>
             <p:extLst>
               <p:ext uri="{D42A27DB-BD31-4B8C-83A1-F6EECF244321}">
-                <p14:modId xmlns:p14="http://schemas.microsoft.com/office/powerpoint/2010/main" val="696160471"/>
+                <p14:modId xmlns:p14="http://schemas.microsoft.com/office/powerpoint/2010/main" val="4278053698"/>
               </p:ext>
             </p:extLst>
           </p:nvPr>
@@ -25725,7 +27128,7 @@
         </p:xfrm>
         <a:graphic>
           <a:graphicData uri="http://schemas.openxmlformats.org/drawingml/2006/diagram">
-            <dgm:relIds xmlns:dgm="http://schemas.openxmlformats.org/drawingml/2006/diagram" xmlns:r="http://schemas.openxmlformats.org/officeDocument/2006/relationships" r:dm="rId3" r:lo="rId4" r:qs="rId5" r:cs="rId6"/>
+            <dgm:relIds xmlns:dgm="http://schemas.openxmlformats.org/drawingml/2006/diagram" xmlns:r="http://schemas.openxmlformats.org/officeDocument/2006/relationships" r:dm="rId4" r:lo="rId5" r:qs="rId6" r:cs="rId7"/>
           </a:graphicData>
         </a:graphic>
       </p:graphicFrame>
@@ -25742,13 +27145,307 @@
 </p:sld>
 </file>
 
+<file path=ppt/slides/slide13.xml><?xml version="1.0" encoding="utf-8"?>
+<p:sld xmlns:a="http://schemas.openxmlformats.org/drawingml/2006/main" xmlns:r="http://schemas.openxmlformats.org/officeDocument/2006/relationships" xmlns:p="http://schemas.openxmlformats.org/presentationml/2006/main">
+  <p:cSld>
+    <p:bg>
+      <p:bgPr>
+        <a:blipFill rotWithShape="1">
+          <a:blip r:embed="rId2">
+            <a:duotone>
+              <a:schemeClr val="bg2">
+                <a:shade val="28000"/>
+                <a:satMod val="94000"/>
+                <a:lumMod val="20000"/>
+              </a:schemeClr>
+              <a:schemeClr val="bg2">
+                <a:tint val="94000"/>
+                <a:shade val="84000"/>
+                <a:satMod val="148000"/>
+                <a:lumMod val="114000"/>
+              </a:schemeClr>
+            </a:duotone>
+          </a:blip>
+          <a:stretch/>
+        </a:blipFill>
+        <a:effectLst/>
+      </p:bgPr>
+    </p:bg>
+    <p:spTree>
+      <p:nvGrpSpPr>
+        <p:cNvPr id="1" name=""/>
+        <p:cNvGrpSpPr/>
+        <p:nvPr/>
+      </p:nvGrpSpPr>
+      <p:grpSpPr>
+        <a:xfrm>
+          <a:off x="0" y="0"/>
+          <a:ext cx="0" cy="0"/>
+          <a:chOff x="0" y="0"/>
+          <a:chExt cx="0" cy="0"/>
+        </a:xfrm>
+      </p:grpSpPr>
+      <p:sp>
+        <p:nvSpPr>
+          <p:cNvPr id="8" name="Rounded Rectangle 9">
+            <a:extLst>
+              <a:ext uri="{FF2B5EF4-FFF2-40B4-BE49-F238E27FC236}">
+                <a16:creationId xmlns:a16="http://schemas.microsoft.com/office/drawing/2014/main" id="{BCA2EB72-13DC-4DC6-B461-3B036C55B925}"/>
+              </a:ext>
+              <a:ext uri="{C183D7F6-B498-43B3-948B-1728B52AA6E4}">
+                <adec:decorative xmlns:adec="http://schemas.microsoft.com/office/drawing/2017/decorative" val="1"/>
+              </a:ext>
+            </a:extLst>
+          </p:cNvPr>
+          <p:cNvSpPr>
+            <a:spLocks noGrp="1" noRot="1" noChangeAspect="1" noMove="1" noResize="1" noEditPoints="1" noAdjustHandles="1" noChangeArrowheads="1" noChangeShapeType="1" noTextEdit="1"/>
+          </p:cNvSpPr>
+          <p:nvPr>
+            <p:extLst>
+              <p:ext uri="{386F3935-93C4-4BCD-93E2-E3B085C9AB24}">
+                <p16:designElem xmlns:p16="http://schemas.microsoft.com/office/powerpoint/2015/main" val="1"/>
+              </p:ext>
+            </p:extLst>
+          </p:nvPr>
+        </p:nvSpPr>
+        <p:spPr>
+          <a:xfrm>
+            <a:off x="643467" y="643467"/>
+            <a:ext cx="10905066" cy="5571066"/>
+          </a:xfrm>
+          <a:prstGeom prst="roundRect">
+            <a:avLst>
+              <a:gd name="adj" fmla="val 2627"/>
+            </a:avLst>
+          </a:prstGeom>
+          <a:solidFill>
+            <a:schemeClr val="bg2">
+              <a:lumMod val="75000"/>
+            </a:schemeClr>
+          </a:solidFill>
+          <a:ln w="44450">
+            <a:gradFill>
+              <a:gsLst>
+                <a:gs pos="0">
+                  <a:schemeClr val="bg2">
+                    <a:alpha val="65000"/>
+                  </a:schemeClr>
+                </a:gs>
+                <a:gs pos="98000">
+                  <a:schemeClr val="bg2">
+                    <a:lumMod val="75000"/>
+                    <a:alpha val="55000"/>
+                  </a:schemeClr>
+                </a:gs>
+              </a:gsLst>
+              <a:lin ang="5400000" scaled="1"/>
+            </a:gradFill>
+          </a:ln>
+          <a:effectLst>
+            <a:innerShdw blurRad="63500" dist="50800" dir="14460000">
+              <a:prstClr val="black">
+                <a:alpha val="70000"/>
+              </a:prstClr>
+            </a:innerShdw>
+          </a:effectLst>
+        </p:spPr>
+        <p:style>
+          <a:lnRef idx="2">
+            <a:schemeClr val="accent1">
+              <a:shade val="50000"/>
+            </a:schemeClr>
+          </a:lnRef>
+          <a:fillRef idx="1003">
+            <a:schemeClr val="dk2"/>
+          </a:fillRef>
+          <a:effectRef idx="0">
+            <a:schemeClr val="accent1"/>
+          </a:effectRef>
+          <a:fontRef idx="minor">
+            <a:schemeClr val="lt1"/>
+          </a:fontRef>
+        </p:style>
+        <p:txBody>
+          <a:bodyPr rtlCol="0" anchor="ctr"/>
+          <a:lstStyle/>
+          <a:p>
+            <a:pPr algn="ctr"/>
+            <a:endParaRPr lang="en-US"/>
+          </a:p>
+        </p:txBody>
+      </p:sp>
+      <p:sp>
+        <p:nvSpPr>
+          <p:cNvPr id="2" name="Title 1">
+            <a:extLst>
+              <a:ext uri="{FF2B5EF4-FFF2-40B4-BE49-F238E27FC236}">
+                <a16:creationId xmlns:a16="http://schemas.microsoft.com/office/drawing/2014/main" id="{CF5F3942-F14C-B240-B0DD-5B39314414D7}"/>
+              </a:ext>
+            </a:extLst>
+          </p:cNvPr>
+          <p:cNvSpPr>
+            <a:spLocks noGrp="1"/>
+          </p:cNvSpPr>
+          <p:nvPr>
+            <p:ph type="title"/>
+          </p:nvPr>
+        </p:nvSpPr>
+        <p:spPr>
+          <a:xfrm>
+            <a:off x="1141413" y="965199"/>
+            <a:ext cx="6075552" cy="4918075"/>
+          </a:xfrm>
+        </p:spPr>
+        <p:txBody>
+          <a:bodyPr vert="horz" lIns="91440" tIns="45720" rIns="91440" bIns="45720" rtlCol="0" anchor="ctr">
+            <a:normAutofit/>
+          </a:bodyPr>
+          <a:lstStyle/>
+          <a:p>
+            <a:pPr algn="r"/>
+            <a:r>
+              <a:rPr lang="en-US" sz="5400">
+                <a:effectLst>
+                  <a:glow rad="38100">
+                    <a:schemeClr val="bg1">
+                      <a:lumMod val="65000"/>
+                      <a:lumOff val="35000"/>
+                      <a:alpha val="50000"/>
+                    </a:schemeClr>
+                  </a:glow>
+                  <a:outerShdw blurRad="28575" dist="31750" dir="13200000" algn="tl" rotWithShape="0">
+                    <a:srgbClr val="000000">
+                      <a:alpha val="25000"/>
+                    </a:srgbClr>
+                  </a:outerShdw>
+                </a:effectLst>
+              </a:rPr>
+              <a:t>Thank you</a:t>
+            </a:r>
+          </a:p>
+        </p:txBody>
+      </p:sp>
+      <p:sp>
+        <p:nvSpPr>
+          <p:cNvPr id="3" name="Content Placeholder 2">
+            <a:extLst>
+              <a:ext uri="{FF2B5EF4-FFF2-40B4-BE49-F238E27FC236}">
+                <a16:creationId xmlns:a16="http://schemas.microsoft.com/office/drawing/2014/main" id="{526442F4-152D-4848-ABD2-15B7F789DBED}"/>
+              </a:ext>
+            </a:extLst>
+          </p:cNvPr>
+          <p:cNvSpPr>
+            <a:spLocks noGrp="1"/>
+          </p:cNvSpPr>
+          <p:nvPr>
+            <p:ph idx="1"/>
+          </p:nvPr>
+        </p:nvSpPr>
+        <p:spPr>
+          <a:xfrm>
+            <a:off x="7891121" y="965199"/>
+            <a:ext cx="2950765" cy="4918075"/>
+          </a:xfrm>
+        </p:spPr>
+        <p:txBody>
+          <a:bodyPr vert="horz" lIns="91440" tIns="45720" rIns="91440" bIns="45720" rtlCol="0" anchor="ctr">
+            <a:normAutofit/>
+          </a:bodyPr>
+          <a:lstStyle/>
+          <a:p>
+            <a:pPr marL="0" indent="0">
+              <a:buNone/>
+            </a:pPr>
+            <a:r>
+              <a:rPr lang="en-US" sz="2100">
+                <a:gradFill flip="none" rotWithShape="1">
+                  <a:gsLst>
+                    <a:gs pos="0">
+                      <a:schemeClr val="tx1"/>
+                    </a:gs>
+                    <a:gs pos="100000">
+                      <a:schemeClr val="tx1">
+                        <a:lumMod val="75000"/>
+                      </a:schemeClr>
+                    </a:gs>
+                  </a:gsLst>
+                  <a:lin ang="5400000" scaled="0"/>
+                  <a:tileRect/>
+                </a:gradFill>
+              </a:rPr>
+              <a:t>Any questions?</a:t>
+            </a:r>
+          </a:p>
+        </p:txBody>
+      </p:sp>
+      <p:cxnSp>
+        <p:nvCxnSpPr>
+          <p:cNvPr id="10" name="Straight Connector 9">
+            <a:extLst>
+              <a:ext uri="{FF2B5EF4-FFF2-40B4-BE49-F238E27FC236}">
+                <a16:creationId xmlns:a16="http://schemas.microsoft.com/office/drawing/2014/main" id="{C8F75BF3-096E-451E-A222-96A7F0946814}"/>
+              </a:ext>
+              <a:ext uri="{C183D7F6-B498-43B3-948B-1728B52AA6E4}">
+                <adec:decorative xmlns:adec="http://schemas.microsoft.com/office/drawing/2017/decorative" val="1"/>
+              </a:ext>
+            </a:extLst>
+          </p:cNvPr>
+          <p:cNvCxnSpPr>
+            <a:cxnSpLocks noGrp="1" noRot="1" noChangeAspect="1" noMove="1" noResize="1" noEditPoints="1" noAdjustHandles="1" noChangeArrowheads="1" noChangeShapeType="1"/>
+          </p:cNvCxnSpPr>
+          <p:nvPr>
+            <p:extLst>
+              <p:ext uri="{386F3935-93C4-4BCD-93E2-E3B085C9AB24}">
+                <p16:designElem xmlns:p16="http://schemas.microsoft.com/office/powerpoint/2015/main" val="1"/>
+              </p:ext>
+            </p:extLst>
+          </p:nvPr>
+        </p:nvCxnSpPr>
+        <p:spPr>
+          <a:xfrm>
+            <a:off x="7538699" y="2011680"/>
+            <a:ext cx="0" cy="2834640"/>
+          </a:xfrm>
+          <a:prstGeom prst="line">
+            <a:avLst/>
+          </a:prstGeom>
+          <a:ln w="19050"/>
+        </p:spPr>
+        <p:style>
+          <a:lnRef idx="1">
+            <a:schemeClr val="accent1"/>
+          </a:lnRef>
+          <a:fillRef idx="0">
+            <a:schemeClr val="accent1"/>
+          </a:fillRef>
+          <a:effectRef idx="0">
+            <a:schemeClr val="accent1"/>
+          </a:effectRef>
+          <a:fontRef idx="minor">
+            <a:schemeClr val="tx1"/>
+          </a:fontRef>
+        </p:style>
+      </p:cxnSp>
+    </p:spTree>
+    <p:extLst>
+      <p:ext uri="{BB962C8B-B14F-4D97-AF65-F5344CB8AC3E}">
+        <p14:creationId xmlns:p14="http://schemas.microsoft.com/office/powerpoint/2010/main" val="3660279802"/>
+      </p:ext>
+    </p:extLst>
+  </p:cSld>
+  <p:clrMapOvr>
+    <a:masterClrMapping/>
+  </p:clrMapOvr>
+</p:sld>
+</file>
+
 <file path=ppt/slides/slide2.xml><?xml version="1.0" encoding="utf-8"?>
 <p:sld xmlns:a="http://schemas.openxmlformats.org/drawingml/2006/main" xmlns:r="http://schemas.openxmlformats.org/officeDocument/2006/relationships" xmlns:p="http://schemas.openxmlformats.org/presentationml/2006/main">
   <p:cSld>
     <p:bg>
       <p:bgPr>
         <a:blipFill rotWithShape="1">
-          <a:blip r:embed="rId2">
+          <a:blip r:embed="rId3">
             <a:duotone>
               <a:schemeClr val="bg2">
                 <a:shade val="28000"/>
@@ -26071,7 +27768,7 @@
         </p:xfrm>
         <a:graphic>
           <a:graphicData uri="http://schemas.openxmlformats.org/drawingml/2006/diagram">
-            <dgm:relIds xmlns:dgm="http://schemas.openxmlformats.org/drawingml/2006/diagram" xmlns:r="http://schemas.openxmlformats.org/officeDocument/2006/relationships" r:dm="rId3" r:lo="rId4" r:qs="rId5" r:cs="rId6"/>
+            <dgm:relIds xmlns:dgm="http://schemas.openxmlformats.org/drawingml/2006/diagram" xmlns:r="http://schemas.openxmlformats.org/officeDocument/2006/relationships" r:dm="rId4" r:lo="rId5" r:qs="rId6" r:cs="rId7"/>
           </a:graphicData>
         </a:graphic>
       </p:graphicFrame>
@@ -26916,7 +28613,7 @@
         </p:xfrm>
         <a:graphic>
           <a:graphicData uri="http://schemas.openxmlformats.org/drawingml/2006/diagram">
-            <dgm:relIds xmlns:dgm="http://schemas.openxmlformats.org/drawingml/2006/diagram" xmlns:r="http://schemas.openxmlformats.org/officeDocument/2006/relationships" r:dm="rId2" r:lo="rId3" r:qs="rId4" r:cs="rId5"/>
+            <dgm:relIds xmlns:dgm="http://schemas.openxmlformats.org/drawingml/2006/diagram" xmlns:r="http://schemas.openxmlformats.org/officeDocument/2006/relationships" r:dm="rId3" r:lo="rId4" r:qs="rId5" r:cs="rId6"/>
           </a:graphicData>
         </a:graphic>
       </p:graphicFrame>
@@ -27005,10 +28702,10 @@
           <p:nvPr/>
         </p:nvPicPr>
         <p:blipFill>
-          <a:blip r:embed="rId7">
+          <a:blip r:embed="rId8">
             <a:extLst>
               <a:ext uri="{96DAC541-7B7A-43D3-8B79-37D633B846F1}">
-                <asvg:svgBlip xmlns:asvg="http://schemas.microsoft.com/office/drawing/2016/SVG/main" r:embed="rId8"/>
+                <asvg:svgBlip xmlns:asvg="http://schemas.microsoft.com/office/drawing/2016/SVG/main" r:embed="rId9"/>
               </a:ext>
             </a:extLst>
           </a:blip>
@@ -27041,10 +28738,10 @@
           <p:nvPr/>
         </p:nvPicPr>
         <p:blipFill>
-          <a:blip r:embed="rId9">
+          <a:blip r:embed="rId10">
             <a:extLst>
               <a:ext uri="{96DAC541-7B7A-43D3-8B79-37D633B846F1}">
-                <asvg:svgBlip xmlns:asvg="http://schemas.microsoft.com/office/drawing/2016/SVG/main" r:embed="rId10"/>
+                <asvg:svgBlip xmlns:asvg="http://schemas.microsoft.com/office/drawing/2016/SVG/main" r:embed="rId11"/>
               </a:ext>
             </a:extLst>
           </a:blip>
@@ -27077,10 +28774,10 @@
           <p:nvPr/>
         </p:nvPicPr>
         <p:blipFill>
-          <a:blip r:embed="rId9">
+          <a:blip r:embed="rId10">
             <a:extLst>
               <a:ext uri="{96DAC541-7B7A-43D3-8B79-37D633B846F1}">
-                <asvg:svgBlip xmlns:asvg="http://schemas.microsoft.com/office/drawing/2016/SVG/main" r:embed="rId11"/>
+                <asvg:svgBlip xmlns:asvg="http://schemas.microsoft.com/office/drawing/2016/SVG/main" r:embed="rId12"/>
               </a:ext>
             </a:extLst>
           </a:blip>
@@ -27113,10 +28810,10 @@
           <p:nvPr/>
         </p:nvPicPr>
         <p:blipFill>
-          <a:blip r:embed="rId7">
+          <a:blip r:embed="rId8">
             <a:extLst>
               <a:ext uri="{96DAC541-7B7A-43D3-8B79-37D633B846F1}">
-                <asvg:svgBlip xmlns:asvg="http://schemas.microsoft.com/office/drawing/2016/SVG/main" r:embed="rId12"/>
+                <asvg:svgBlip xmlns:asvg="http://schemas.microsoft.com/office/drawing/2016/SVG/main" r:embed="rId13"/>
               </a:ext>
             </a:extLst>
           </a:blip>
@@ -27149,10 +28846,10 @@
           <p:nvPr/>
         </p:nvPicPr>
         <p:blipFill>
-          <a:blip r:embed="rId9">
+          <a:blip r:embed="rId10">
             <a:extLst>
               <a:ext uri="{96DAC541-7B7A-43D3-8B79-37D633B846F1}">
-                <asvg:svgBlip xmlns:asvg="http://schemas.microsoft.com/office/drawing/2016/SVG/main" r:embed="rId11"/>
+                <asvg:svgBlip xmlns:asvg="http://schemas.microsoft.com/office/drawing/2016/SVG/main" r:embed="rId12"/>
               </a:ext>
             </a:extLst>
           </a:blip>
@@ -27185,10 +28882,10 @@
           <p:nvPr/>
         </p:nvPicPr>
         <p:blipFill>
-          <a:blip r:embed="rId9">
+          <a:blip r:embed="rId10">
             <a:extLst>
               <a:ext uri="{96DAC541-7B7A-43D3-8B79-37D633B846F1}">
-                <asvg:svgBlip xmlns:asvg="http://schemas.microsoft.com/office/drawing/2016/SVG/main" r:embed="rId11"/>
+                <asvg:svgBlip xmlns:asvg="http://schemas.microsoft.com/office/drawing/2016/SVG/main" r:embed="rId12"/>
               </a:ext>
             </a:extLst>
           </a:blip>
@@ -27221,10 +28918,10 @@
           <p:nvPr/>
         </p:nvPicPr>
         <p:blipFill>
-          <a:blip r:embed="rId7">
+          <a:blip r:embed="rId8">
             <a:extLst>
               <a:ext uri="{96DAC541-7B7A-43D3-8B79-37D633B846F1}">
-                <asvg:svgBlip xmlns:asvg="http://schemas.microsoft.com/office/drawing/2016/SVG/main" r:embed="rId12"/>
+                <asvg:svgBlip xmlns:asvg="http://schemas.microsoft.com/office/drawing/2016/SVG/main" r:embed="rId13"/>
               </a:ext>
             </a:extLst>
           </a:blip>
@@ -27257,10 +28954,10 @@
           <p:nvPr/>
         </p:nvPicPr>
         <p:blipFill>
-          <a:blip r:embed="rId9">
+          <a:blip r:embed="rId10">
             <a:extLst>
               <a:ext uri="{96DAC541-7B7A-43D3-8B79-37D633B846F1}">
-                <asvg:svgBlip xmlns:asvg="http://schemas.microsoft.com/office/drawing/2016/SVG/main" r:embed="rId11"/>
+                <asvg:svgBlip xmlns:asvg="http://schemas.microsoft.com/office/drawing/2016/SVG/main" r:embed="rId12"/>
               </a:ext>
             </a:extLst>
           </a:blip>
@@ -27382,7 +29079,7 @@
         </p:xfrm>
         <a:graphic>
           <a:graphicData uri="http://schemas.openxmlformats.org/drawingml/2006/diagram">
-            <dgm:relIds xmlns:dgm="http://schemas.openxmlformats.org/drawingml/2006/diagram" xmlns:r="http://schemas.openxmlformats.org/officeDocument/2006/relationships" r:dm="rId2" r:lo="rId3" r:qs="rId4" r:cs="rId5"/>
+            <dgm:relIds xmlns:dgm="http://schemas.openxmlformats.org/drawingml/2006/diagram" xmlns:r="http://schemas.openxmlformats.org/officeDocument/2006/relationships" r:dm="rId3" r:lo="rId4" r:qs="rId5" r:cs="rId6"/>
           </a:graphicData>
         </a:graphic>
       </p:graphicFrame>
@@ -27497,7 +29194,7 @@
     <p:bg>
       <p:bgPr>
         <a:blipFill rotWithShape="1">
-          <a:blip r:embed="rId2">
+          <a:blip r:embed="rId3">
             <a:duotone>
               <a:schemeClr val="bg2">
                 <a:shade val="28000"/>
@@ -27718,13 +29415,13 @@
           <p:nvPr/>
         </p:nvPicPr>
         <p:blipFill>
-          <a:blip r:embed="rId3">
+          <a:blip r:embed="rId4">
             <a:extLst>
               <a:ext uri="{28A0092B-C50C-407E-A947-70E740481C1C}">
                 <a14:useLocalDpi xmlns:a14="http://schemas.microsoft.com/office/drawing/2010/main" val="0"/>
               </a:ext>
               <a:ext uri="{96DAC541-7B7A-43D3-8B79-37D633B846F1}">
-                <asvg:svgBlip xmlns:asvg="http://schemas.microsoft.com/office/drawing/2016/SVG/main" r:embed="rId4"/>
+                <asvg:svgBlip xmlns:asvg="http://schemas.microsoft.com/office/drawing/2016/SVG/main" r:embed="rId5"/>
               </a:ext>
             </a:extLst>
           </a:blip>
@@ -27764,7 +29461,7 @@
     <p:bg>
       <p:bgPr>
         <a:blipFill rotWithShape="1">
-          <a:blip r:embed="rId2">
+          <a:blip r:embed="rId3">
             <a:duotone>
               <a:schemeClr val="bg2">
                 <a:shade val="28000"/>
@@ -27860,7 +29557,7 @@
         </p:xfrm>
         <a:graphic>
           <a:graphicData uri="http://schemas.openxmlformats.org/drawingml/2006/diagram">
-            <dgm:relIds xmlns:dgm="http://schemas.openxmlformats.org/drawingml/2006/diagram" xmlns:r="http://schemas.openxmlformats.org/officeDocument/2006/relationships" r:dm="rId3" r:lo="rId4" r:qs="rId5" r:cs="rId6"/>
+            <dgm:relIds xmlns:dgm="http://schemas.openxmlformats.org/drawingml/2006/diagram" xmlns:r="http://schemas.openxmlformats.org/officeDocument/2006/relationships" r:dm="rId4" r:lo="rId5" r:qs="rId6" r:cs="rId7"/>
           </a:graphicData>
         </a:graphic>
       </p:graphicFrame>
@@ -27883,7 +29580,7 @@
     <p:bg>
       <p:bgPr>
         <a:blipFill rotWithShape="1">
-          <a:blip r:embed="rId2">
+          <a:blip r:embed="rId3">
             <a:duotone>
               <a:schemeClr val="bg2">
                 <a:shade val="28000"/>
@@ -27967,7 +29664,7 @@
           <p:nvPr/>
         </p:nvPicPr>
         <p:blipFill rotWithShape="1">
-          <a:blip r:embed="rId3"/>
+          <a:blip r:embed="rId4"/>
           <a:srcRect l="17970" r="48163" b="-1"/>
           <a:stretch/>
         </p:blipFill>
@@ -28326,4 +30023,299 @@
     </a:ext>
   </a:extLst>
 </a:theme>
+</file>
+
+<file path=ppt/theme/theme2.xml><?xml version="1.0" encoding="utf-8"?>
+<a:theme xmlns:a="http://schemas.openxmlformats.org/drawingml/2006/main" name="Office Theme">
+  <a:themeElements>
+    <a:clrScheme name="Office">
+      <a:dk1>
+        <a:sysClr val="windowText" lastClr="000000"/>
+      </a:dk1>
+      <a:lt1>
+        <a:sysClr val="window" lastClr="FFFFFF"/>
+      </a:lt1>
+      <a:dk2>
+        <a:srgbClr val="44546A"/>
+      </a:dk2>
+      <a:lt2>
+        <a:srgbClr val="E7E6E6"/>
+      </a:lt2>
+      <a:accent1>
+        <a:srgbClr val="4472C4"/>
+      </a:accent1>
+      <a:accent2>
+        <a:srgbClr val="ED7D31"/>
+      </a:accent2>
+      <a:accent3>
+        <a:srgbClr val="A5A5A5"/>
+      </a:accent3>
+      <a:accent4>
+        <a:srgbClr val="FFC000"/>
+      </a:accent4>
+      <a:accent5>
+        <a:srgbClr val="5B9BD5"/>
+      </a:accent5>
+      <a:accent6>
+        <a:srgbClr val="70AD47"/>
+      </a:accent6>
+      <a:hlink>
+        <a:srgbClr val="0563C1"/>
+      </a:hlink>
+      <a:folHlink>
+        <a:srgbClr val="954F72"/>
+      </a:folHlink>
+    </a:clrScheme>
+    <a:fontScheme name="Office">
+      <a:majorFont>
+        <a:latin typeface="Calibri Light" panose="020F0302020204030204"/>
+        <a:ea typeface=""/>
+        <a:cs typeface=""/>
+        <a:font script="Jpan" typeface="游ゴシック Light"/>
+        <a:font script="Hang" typeface="맑은 고딕"/>
+        <a:font script="Hans" typeface="等线 Light"/>
+        <a:font script="Hant" typeface="新細明體"/>
+        <a:font script="Arab" typeface="Times New Roman"/>
+        <a:font script="Hebr" typeface="Times New Roman"/>
+        <a:font script="Thai" typeface="Angsana New"/>
+        <a:font script="Ethi" typeface="Nyala"/>
+        <a:font script="Beng" typeface="Vrinda"/>
+        <a:font script="Gujr" typeface="Shruti"/>
+        <a:font script="Khmr" typeface="MoolBoran"/>
+        <a:font script="Knda" typeface="Tunga"/>
+        <a:font script="Guru" typeface="Raavi"/>
+        <a:font script="Cans" typeface="Euphemia"/>
+        <a:font script="Cher" typeface="Plantagenet Cherokee"/>
+        <a:font script="Yiii" typeface="Microsoft Yi Baiti"/>
+        <a:font script="Tibt" typeface="Microsoft Himalaya"/>
+        <a:font script="Thaa" typeface="MV Boli"/>
+        <a:font script="Deva" typeface="Mangal"/>
+        <a:font script="Telu" typeface="Gautami"/>
+        <a:font script="Taml" typeface="Latha"/>
+        <a:font script="Syrc" typeface="Estrangelo Edessa"/>
+        <a:font script="Orya" typeface="Kalinga"/>
+        <a:font script="Mlym" typeface="Kartika"/>
+        <a:font script="Laoo" typeface="DokChampa"/>
+        <a:font script="Sinh" typeface="Iskoola Pota"/>
+        <a:font script="Mong" typeface="Mongolian Baiti"/>
+        <a:font script="Viet" typeface="Times New Roman"/>
+        <a:font script="Uigh" typeface="Microsoft Uighur"/>
+        <a:font script="Geor" typeface="Sylfaen"/>
+        <a:font script="Armn" typeface="Arial"/>
+        <a:font script="Bugi" typeface="Leelawadee UI"/>
+        <a:font script="Bopo" typeface="Microsoft JhengHei"/>
+        <a:font script="Java" typeface="Javanese Text"/>
+        <a:font script="Lisu" typeface="Segoe UI"/>
+        <a:font script="Mymr" typeface="Myanmar Text"/>
+        <a:font script="Nkoo" typeface="Ebrima"/>
+        <a:font script="Olck" typeface="Nirmala UI"/>
+        <a:font script="Osma" typeface="Ebrima"/>
+        <a:font script="Phag" typeface="Phagspa"/>
+        <a:font script="Syrn" typeface="Estrangelo Edessa"/>
+        <a:font script="Syrj" typeface="Estrangelo Edessa"/>
+        <a:font script="Syre" typeface="Estrangelo Edessa"/>
+        <a:font script="Sora" typeface="Nirmala UI"/>
+        <a:font script="Tale" typeface="Microsoft Tai Le"/>
+        <a:font script="Talu" typeface="Microsoft New Tai Lue"/>
+        <a:font script="Tfng" typeface="Ebrima"/>
+      </a:majorFont>
+      <a:minorFont>
+        <a:latin typeface="Calibri" panose="020F0502020204030204"/>
+        <a:ea typeface=""/>
+        <a:cs typeface=""/>
+        <a:font script="Jpan" typeface="游ゴシック"/>
+        <a:font script="Hang" typeface="맑은 고딕"/>
+        <a:font script="Hans" typeface="等线"/>
+        <a:font script="Hant" typeface="新細明體"/>
+        <a:font script="Arab" typeface="Arial"/>
+        <a:font script="Hebr" typeface="Arial"/>
+        <a:font script="Thai" typeface="Cordia New"/>
+        <a:font script="Ethi" typeface="Nyala"/>
+        <a:font script="Beng" typeface="Vrinda"/>
+        <a:font script="Gujr" typeface="Shruti"/>
+        <a:font script="Khmr" typeface="DaunPenh"/>
+        <a:font script="Knda" typeface="Tunga"/>
+        <a:font script="Guru" typeface="Raavi"/>
+        <a:font script="Cans" typeface="Euphemia"/>
+        <a:font script="Cher" typeface="Plantagenet Cherokee"/>
+        <a:font script="Yiii" typeface="Microsoft Yi Baiti"/>
+        <a:font script="Tibt" typeface="Microsoft Himalaya"/>
+        <a:font script="Thaa" typeface="MV Boli"/>
+        <a:font script="Deva" typeface="Mangal"/>
+        <a:font script="Telu" typeface="Gautami"/>
+        <a:font script="Taml" typeface="Latha"/>
+        <a:font script="Syrc" typeface="Estrangelo Edessa"/>
+        <a:font script="Orya" typeface="Kalinga"/>
+        <a:font script="Mlym" typeface="Kartika"/>
+        <a:font script="Laoo" typeface="DokChampa"/>
+        <a:font script="Sinh" typeface="Iskoola Pota"/>
+        <a:font script="Mong" typeface="Mongolian Baiti"/>
+        <a:font script="Viet" typeface="Arial"/>
+        <a:font script="Uigh" typeface="Microsoft Uighur"/>
+        <a:font script="Geor" typeface="Sylfaen"/>
+        <a:font script="Armn" typeface="Arial"/>
+        <a:font script="Bugi" typeface="Leelawadee UI"/>
+        <a:font script="Bopo" typeface="Microsoft JhengHei"/>
+        <a:font script="Java" typeface="Javanese Text"/>
+        <a:font script="Lisu" typeface="Segoe UI"/>
+        <a:font script="Mymr" typeface="Myanmar Text"/>
+        <a:font script="Nkoo" typeface="Ebrima"/>
+        <a:font script="Olck" typeface="Nirmala UI"/>
+        <a:font script="Osma" typeface="Ebrima"/>
+        <a:font script="Phag" typeface="Phagspa"/>
+        <a:font script="Syrn" typeface="Estrangelo Edessa"/>
+        <a:font script="Syrj" typeface="Estrangelo Edessa"/>
+        <a:font script="Syre" typeface="Estrangelo Edessa"/>
+        <a:font script="Sora" typeface="Nirmala UI"/>
+        <a:font script="Tale" typeface="Microsoft Tai Le"/>
+        <a:font script="Talu" typeface="Microsoft New Tai Lue"/>
+        <a:font script="Tfng" typeface="Ebrima"/>
+      </a:minorFont>
+    </a:fontScheme>
+    <a:fmtScheme name="Office">
+      <a:fillStyleLst>
+        <a:solidFill>
+          <a:schemeClr val="phClr"/>
+        </a:solidFill>
+        <a:gradFill rotWithShape="1">
+          <a:gsLst>
+            <a:gs pos="0">
+              <a:schemeClr val="phClr">
+                <a:lumMod val="110000"/>
+                <a:satMod val="105000"/>
+                <a:tint val="67000"/>
+              </a:schemeClr>
+            </a:gs>
+            <a:gs pos="50000">
+              <a:schemeClr val="phClr">
+                <a:lumMod val="105000"/>
+                <a:satMod val="103000"/>
+                <a:tint val="73000"/>
+              </a:schemeClr>
+            </a:gs>
+            <a:gs pos="100000">
+              <a:schemeClr val="phClr">
+                <a:lumMod val="105000"/>
+                <a:satMod val="109000"/>
+                <a:tint val="81000"/>
+              </a:schemeClr>
+            </a:gs>
+          </a:gsLst>
+          <a:lin ang="5400000" scaled="0"/>
+        </a:gradFill>
+        <a:gradFill rotWithShape="1">
+          <a:gsLst>
+            <a:gs pos="0">
+              <a:schemeClr val="phClr">
+                <a:satMod val="103000"/>
+                <a:lumMod val="102000"/>
+                <a:tint val="94000"/>
+              </a:schemeClr>
+            </a:gs>
+            <a:gs pos="50000">
+              <a:schemeClr val="phClr">
+                <a:satMod val="110000"/>
+                <a:lumMod val="100000"/>
+                <a:shade val="100000"/>
+              </a:schemeClr>
+            </a:gs>
+            <a:gs pos="100000">
+              <a:schemeClr val="phClr">
+                <a:lumMod val="99000"/>
+                <a:satMod val="120000"/>
+                <a:shade val="78000"/>
+              </a:schemeClr>
+            </a:gs>
+          </a:gsLst>
+          <a:lin ang="5400000" scaled="0"/>
+        </a:gradFill>
+      </a:fillStyleLst>
+      <a:lnStyleLst>
+        <a:ln w="6350" cap="flat" cmpd="sng" algn="ctr">
+          <a:solidFill>
+            <a:schemeClr val="phClr"/>
+          </a:solidFill>
+          <a:prstDash val="solid"/>
+          <a:miter lim="800000"/>
+        </a:ln>
+        <a:ln w="12700" cap="flat" cmpd="sng" algn="ctr">
+          <a:solidFill>
+            <a:schemeClr val="phClr"/>
+          </a:solidFill>
+          <a:prstDash val="solid"/>
+          <a:miter lim="800000"/>
+        </a:ln>
+        <a:ln w="19050" cap="flat" cmpd="sng" algn="ctr">
+          <a:solidFill>
+            <a:schemeClr val="phClr"/>
+          </a:solidFill>
+          <a:prstDash val="solid"/>
+          <a:miter lim="800000"/>
+        </a:ln>
+      </a:lnStyleLst>
+      <a:effectStyleLst>
+        <a:effectStyle>
+          <a:effectLst/>
+        </a:effectStyle>
+        <a:effectStyle>
+          <a:effectLst/>
+        </a:effectStyle>
+        <a:effectStyle>
+          <a:effectLst>
+            <a:outerShdw blurRad="57150" dist="19050" dir="5400000" algn="ctr" rotWithShape="0">
+              <a:srgbClr val="000000">
+                <a:alpha val="63000"/>
+              </a:srgbClr>
+            </a:outerShdw>
+          </a:effectLst>
+        </a:effectStyle>
+      </a:effectStyleLst>
+      <a:bgFillStyleLst>
+        <a:solidFill>
+          <a:schemeClr val="phClr"/>
+        </a:solidFill>
+        <a:solidFill>
+          <a:schemeClr val="phClr">
+            <a:tint val="95000"/>
+            <a:satMod val="170000"/>
+          </a:schemeClr>
+        </a:solidFill>
+        <a:gradFill rotWithShape="1">
+          <a:gsLst>
+            <a:gs pos="0">
+              <a:schemeClr val="phClr">
+                <a:tint val="93000"/>
+                <a:satMod val="150000"/>
+                <a:shade val="98000"/>
+                <a:lumMod val="102000"/>
+              </a:schemeClr>
+            </a:gs>
+            <a:gs pos="50000">
+              <a:schemeClr val="phClr">
+                <a:tint val="98000"/>
+                <a:satMod val="130000"/>
+                <a:shade val="90000"/>
+                <a:lumMod val="103000"/>
+              </a:schemeClr>
+            </a:gs>
+            <a:gs pos="100000">
+              <a:schemeClr val="phClr">
+                <a:shade val="63000"/>
+                <a:satMod val="120000"/>
+              </a:schemeClr>
+            </a:gs>
+          </a:gsLst>
+          <a:lin ang="5400000" scaled="0"/>
+        </a:gradFill>
+      </a:bgFillStyleLst>
+    </a:fmtScheme>
+  </a:themeElements>
+  <a:objectDefaults/>
+  <a:extraClrSchemeLst/>
+  <a:extLst>
+    <a:ext uri="{05A4C25C-085E-4340-85A3-A5531E510DB2}">
+      <thm15:themeFamily xmlns:thm15="http://schemas.microsoft.com/office/thememl/2012/main" name="Office Theme" id="{62F939B6-93AF-4DB8-9C6B-D6C7DFDC589F}" vid="{4A3C46E8-61CC-4603-A589-7422A47A8E4A}"/>
+    </a:ext>
+  </a:extLst>
+</a:theme>
 </file>
--- a/w207_ProjectPizza_Presentation.pptx
+++ b/w207_ProjectPizza_Presentation.pptx
@@ -6074,14 +6074,14 @@
       </dgm:t>
     </dgm:pt>
     <dgm:pt modelId="{E48D09E9-8381-4052-A82E-FA09F715E532}">
-      <dgm:prSet/>
+      <dgm:prSet custT="1"/>
       <dgm:spPr/>
       <dgm:t>
         <a:bodyPr/>
         <a:lstStyle/>
         <a:p>
           <a:r>
-            <a:rPr lang="en-US" dirty="0">
+            <a:rPr lang="en-US" sz="2000" dirty="0">
               <a:solidFill>
                 <a:schemeClr val="bg2"/>
               </a:solidFill>
@@ -6114,19 +6114,19 @@
       </dgm:t>
     </dgm:pt>
     <dgm:pt modelId="{289E3083-C720-48CB-99D5-2DF9937A6DE0}">
-      <dgm:prSet/>
+      <dgm:prSet custT="1"/>
       <dgm:spPr/>
       <dgm:t>
         <a:bodyPr/>
         <a:lstStyle/>
         <a:p>
           <a:r>
-            <a:rPr lang="en-US" dirty="0">
+            <a:rPr lang="en-US" sz="2000" dirty="0">
               <a:solidFill>
                 <a:schemeClr val="bg2"/>
               </a:solidFill>
             </a:rPr>
-            <a:t>We also could have used more sophisticated methods to balance out our training &amp; development datasets so there was a better ratio of positive &amp; negative datapoints</a:t>
+            <a:t>We also could have used more sophisticated sampling methods to balance negative/positive observations</a:t>
           </a:r>
         </a:p>
       </dgm:t>
@@ -6143,6 +6143,46 @@
       </dgm:t>
     </dgm:pt>
     <dgm:pt modelId="{A13CD6D1-445C-4EEA-8458-40C1928FE026}" type="sibTrans" cxnId="{E40FC667-5885-4A02-B7A1-BAA7FD1F5559}">
+      <dgm:prSet/>
+      <dgm:spPr/>
+      <dgm:t>
+        <a:bodyPr/>
+        <a:lstStyle/>
+        <a:p>
+          <a:endParaRPr lang="en-US"/>
+        </a:p>
+      </dgm:t>
+    </dgm:pt>
+    <dgm:pt modelId="{1275454F-1F12-458B-ACC2-A32C5396691A}">
+      <dgm:prSet custT="1"/>
+      <dgm:spPr/>
+      <dgm:t>
+        <a:bodyPr/>
+        <a:lstStyle/>
+        <a:p>
+          <a:r>
+            <a:rPr lang="en-US" sz="2000" dirty="0">
+              <a:solidFill>
+                <a:schemeClr val="bg2"/>
+              </a:solidFill>
+            </a:rPr>
+            <a:t>Experimenting with linear, isotonic, and other calibration methods to improve model recall</a:t>
+          </a:r>
+        </a:p>
+      </dgm:t>
+    </dgm:pt>
+    <dgm:pt modelId="{8CEA19DF-3CDD-4ECF-AC28-A68F44708CD4}" type="parTrans" cxnId="{74F45C2A-D5ED-4E8E-9768-B942A0E13951}">
+      <dgm:prSet/>
+      <dgm:spPr/>
+      <dgm:t>
+        <a:bodyPr/>
+        <a:lstStyle/>
+        <a:p>
+          <a:endParaRPr lang="en-US"/>
+        </a:p>
+      </dgm:t>
+    </dgm:pt>
+    <dgm:pt modelId="{FC2DDBD9-8588-4784-9761-DC8F50362C42}" type="sibTrans" cxnId="{74F45C2A-D5ED-4E8E-9768-B942A0E13951}">
       <dgm:prSet/>
       <dgm:spPr/>
       <dgm:t>
@@ -6179,7 +6219,7 @@
       <dgm:spPr/>
     </dgm:pt>
     <dgm:pt modelId="{688A05E1-4739-934B-AF19-43E3A8B4BFCB}" type="pres">
-      <dgm:prSet presAssocID="{E48D09E9-8381-4052-A82E-FA09F715E532}" presName="rootText1" presStyleLbl="node0" presStyleIdx="0" presStyleCnt="2">
+      <dgm:prSet presAssocID="{E48D09E9-8381-4052-A82E-FA09F715E532}" presName="rootText1" presStyleLbl="node0" presStyleIdx="0" presStyleCnt="3" custScaleX="100024" custScaleY="65472" custLinFactNeighborX="-12" custLinFactNeighborY="-14034">
         <dgm:presLayoutVars>
           <dgm:chPref val="3"/>
         </dgm:presLayoutVars>
@@ -6211,7 +6251,7 @@
       <dgm:spPr/>
     </dgm:pt>
     <dgm:pt modelId="{1D7DCE69-4E24-B342-8045-461A4F642C4C}" type="pres">
-      <dgm:prSet presAssocID="{289E3083-C720-48CB-99D5-2DF9937A6DE0}" presName="rootText1" presStyleLbl="node0" presStyleIdx="1" presStyleCnt="2">
+      <dgm:prSet presAssocID="{289E3083-C720-48CB-99D5-2DF9937A6DE0}" presName="rootText1" presStyleLbl="node0" presStyleIdx="1" presStyleCnt="3" custScaleY="71474" custLinFactNeighborX="12" custLinFactNeighborY="-24296">
         <dgm:presLayoutVars>
           <dgm:chPref val="3"/>
         </dgm:presLayoutVars>
@@ -6230,13 +6270,48 @@
       <dgm:prSet presAssocID="{289E3083-C720-48CB-99D5-2DF9937A6DE0}" presName="hierChild3" presStyleCnt="0"/>
       <dgm:spPr/>
     </dgm:pt>
+    <dgm:pt modelId="{3CC8F9C6-53A4-432E-BFDC-5C7295F02C43}" type="pres">
+      <dgm:prSet presAssocID="{1275454F-1F12-458B-ACC2-A32C5396691A}" presName="hierRoot1" presStyleCnt="0">
+        <dgm:presLayoutVars>
+          <dgm:hierBranch val="init"/>
+        </dgm:presLayoutVars>
+      </dgm:prSet>
+      <dgm:spPr/>
+    </dgm:pt>
+    <dgm:pt modelId="{B2B28514-1765-46F9-94A6-42AC4B93152F}" type="pres">
+      <dgm:prSet presAssocID="{1275454F-1F12-458B-ACC2-A32C5396691A}" presName="rootComposite1" presStyleCnt="0"/>
+      <dgm:spPr/>
+    </dgm:pt>
+    <dgm:pt modelId="{A17DA83D-D1E5-4CBB-80BA-B24CC46929C4}" type="pres">
+      <dgm:prSet presAssocID="{1275454F-1F12-458B-ACC2-A32C5396691A}" presName="rootText1" presStyleLbl="node0" presStyleIdx="2" presStyleCnt="3" custScaleY="45624" custLinFactNeighborX="12" custLinFactNeighborY="-27190">
+        <dgm:presLayoutVars>
+          <dgm:chPref val="3"/>
+        </dgm:presLayoutVars>
+      </dgm:prSet>
+      <dgm:spPr/>
+    </dgm:pt>
+    <dgm:pt modelId="{168E5E75-B934-4AC5-B623-17FD16D29679}" type="pres">
+      <dgm:prSet presAssocID="{1275454F-1F12-458B-ACC2-A32C5396691A}" presName="rootConnector1" presStyleLbl="node1" presStyleIdx="0" presStyleCnt="0"/>
+      <dgm:spPr/>
+    </dgm:pt>
+    <dgm:pt modelId="{4880099F-242F-4E16-B201-D4453E2FB56B}" type="pres">
+      <dgm:prSet presAssocID="{1275454F-1F12-458B-ACC2-A32C5396691A}" presName="hierChild2" presStyleCnt="0"/>
+      <dgm:spPr/>
+    </dgm:pt>
+    <dgm:pt modelId="{15EC3EC2-A130-4AD0-BB87-CBD249F4CD89}" type="pres">
+      <dgm:prSet presAssocID="{1275454F-1F12-458B-ACC2-A32C5396691A}" presName="hierChild3" presStyleCnt="0"/>
+      <dgm:spPr/>
+    </dgm:pt>
   </dgm:ptLst>
   <dgm:cxnLst>
     <dgm:cxn modelId="{38A83819-6AD1-1349-8EA5-3D9A4178BDDF}" type="presOf" srcId="{E48D09E9-8381-4052-A82E-FA09F715E532}" destId="{7F3C12DF-7FC8-C749-81FF-0B87E20BD5C0}" srcOrd="1" destOrd="0" presId="urn:microsoft.com/office/officeart/2009/3/layout/HorizontalOrganizationChart"/>
+    <dgm:cxn modelId="{74F45C2A-D5ED-4E8E-9768-B942A0E13951}" srcId="{108EEC92-30F1-4ECE-B40E-52038F08B2BE}" destId="{1275454F-1F12-458B-ACC2-A32C5396691A}" srcOrd="2" destOrd="0" parTransId="{8CEA19DF-3CDD-4ECF-AC28-A68F44708CD4}" sibTransId="{FC2DDBD9-8588-4784-9761-DC8F50362C42}"/>
     <dgm:cxn modelId="{E40FC667-5885-4A02-B7A1-BAA7FD1F5559}" srcId="{108EEC92-30F1-4ECE-B40E-52038F08B2BE}" destId="{289E3083-C720-48CB-99D5-2DF9937A6DE0}" srcOrd="1" destOrd="0" parTransId="{DD19D687-5D70-4F9C-887A-38E023955F5D}" sibTransId="{A13CD6D1-445C-4EEA-8458-40C1928FE026}"/>
     <dgm:cxn modelId="{1456BA71-84A0-D246-8188-7C82A1C489A8}" type="presOf" srcId="{108EEC92-30F1-4ECE-B40E-52038F08B2BE}" destId="{ABA90EAA-B058-C441-A204-87DC8FB68D82}" srcOrd="0" destOrd="0" presId="urn:microsoft.com/office/officeart/2009/3/layout/HorizontalOrganizationChart"/>
     <dgm:cxn modelId="{BB11E57F-7882-654C-9345-111B043F5AB3}" type="presOf" srcId="{289E3083-C720-48CB-99D5-2DF9937A6DE0}" destId="{1D7DCE69-4E24-B342-8045-461A4F642C4C}" srcOrd="0" destOrd="0" presId="urn:microsoft.com/office/officeart/2009/3/layout/HorizontalOrganizationChart"/>
     <dgm:cxn modelId="{AC0B1A83-8CE8-3142-B9AD-EEEF0C59049C}" type="presOf" srcId="{E48D09E9-8381-4052-A82E-FA09F715E532}" destId="{688A05E1-4739-934B-AF19-43E3A8B4BFCB}" srcOrd="0" destOrd="0" presId="urn:microsoft.com/office/officeart/2009/3/layout/HorizontalOrganizationChart"/>
+    <dgm:cxn modelId="{F2C627A8-A330-4072-BBF9-AAF82EFCFD8E}" type="presOf" srcId="{1275454F-1F12-458B-ACC2-A32C5396691A}" destId="{168E5E75-B934-4AC5-B623-17FD16D29679}" srcOrd="1" destOrd="0" presId="urn:microsoft.com/office/officeart/2009/3/layout/HorizontalOrganizationChart"/>
+    <dgm:cxn modelId="{92759ACB-8682-4209-AD6A-045FDDAF9A86}" type="presOf" srcId="{1275454F-1F12-458B-ACC2-A32C5396691A}" destId="{A17DA83D-D1E5-4CBB-80BA-B24CC46929C4}" srcOrd="0" destOrd="0" presId="urn:microsoft.com/office/officeart/2009/3/layout/HorizontalOrganizationChart"/>
     <dgm:cxn modelId="{BC38E3D3-6B45-4534-A801-BE4FE7CA7368}" srcId="{108EEC92-30F1-4ECE-B40E-52038F08B2BE}" destId="{E48D09E9-8381-4052-A82E-FA09F715E532}" srcOrd="0" destOrd="0" parTransId="{EBA38A7A-707E-4376-BDB2-82DC045A9885}" sibTransId="{7C144AF8-53B2-4C67-BDFB-135318F7853F}"/>
     <dgm:cxn modelId="{D20454F4-7739-774C-86E7-09C58A668977}" type="presOf" srcId="{289E3083-C720-48CB-99D5-2DF9937A6DE0}" destId="{7EDD2F4E-F7F8-C547-A7EE-CC165362B1B4}" srcOrd="1" destOrd="0" presId="urn:microsoft.com/office/officeart/2009/3/layout/HorizontalOrganizationChart"/>
     <dgm:cxn modelId="{D60BC2F6-61E3-1F4D-92C5-83EC6641F33A}" type="presParOf" srcId="{ABA90EAA-B058-C441-A204-87DC8FB68D82}" destId="{AA3B4D4C-13A8-744C-99C6-7BEC00FED94D}" srcOrd="0" destOrd="0" presId="urn:microsoft.com/office/officeart/2009/3/layout/HorizontalOrganizationChart"/>
@@ -6251,6 +6326,12 @@
     <dgm:cxn modelId="{8EDA802D-AB68-944E-85C0-BCF216501752}" type="presParOf" srcId="{CE0CCEBE-75C8-0F4B-A368-094F483C201D}" destId="{7EDD2F4E-F7F8-C547-A7EE-CC165362B1B4}" srcOrd="1" destOrd="0" presId="urn:microsoft.com/office/officeart/2009/3/layout/HorizontalOrganizationChart"/>
     <dgm:cxn modelId="{48EEC222-360D-2F4E-9467-969CE9196422}" type="presParOf" srcId="{25109815-2CA1-0449-9C69-20DBCD66596B}" destId="{1FB6F86F-11A7-064C-B27C-7E0E37B4F9DA}" srcOrd="1" destOrd="0" presId="urn:microsoft.com/office/officeart/2009/3/layout/HorizontalOrganizationChart"/>
     <dgm:cxn modelId="{8606FC7F-893C-AB43-B84A-6C6B16CB33B3}" type="presParOf" srcId="{25109815-2CA1-0449-9C69-20DBCD66596B}" destId="{8F6D6882-D9AD-CC4E-A465-72BF77F386F0}" srcOrd="2" destOrd="0" presId="urn:microsoft.com/office/officeart/2009/3/layout/HorizontalOrganizationChart"/>
+    <dgm:cxn modelId="{616DC48D-947A-4E3F-8D4D-6755359FF4C2}" type="presParOf" srcId="{ABA90EAA-B058-C441-A204-87DC8FB68D82}" destId="{3CC8F9C6-53A4-432E-BFDC-5C7295F02C43}" srcOrd="2" destOrd="0" presId="urn:microsoft.com/office/officeart/2009/3/layout/HorizontalOrganizationChart"/>
+    <dgm:cxn modelId="{A041A0BA-A015-42A2-9D24-16B7B4178770}" type="presParOf" srcId="{3CC8F9C6-53A4-432E-BFDC-5C7295F02C43}" destId="{B2B28514-1765-46F9-94A6-42AC4B93152F}" srcOrd="0" destOrd="0" presId="urn:microsoft.com/office/officeart/2009/3/layout/HorizontalOrganizationChart"/>
+    <dgm:cxn modelId="{742EB408-69FA-4ED0-891C-B7D4793D2987}" type="presParOf" srcId="{B2B28514-1765-46F9-94A6-42AC4B93152F}" destId="{A17DA83D-D1E5-4CBB-80BA-B24CC46929C4}" srcOrd="0" destOrd="0" presId="urn:microsoft.com/office/officeart/2009/3/layout/HorizontalOrganizationChart"/>
+    <dgm:cxn modelId="{6EF4EA94-A4A3-4CD8-B839-65712A8FFFBB}" type="presParOf" srcId="{B2B28514-1765-46F9-94A6-42AC4B93152F}" destId="{168E5E75-B934-4AC5-B623-17FD16D29679}" srcOrd="1" destOrd="0" presId="urn:microsoft.com/office/officeart/2009/3/layout/HorizontalOrganizationChart"/>
+    <dgm:cxn modelId="{4CD274C6-4A3A-4396-819C-9AD88D2C2DA9}" type="presParOf" srcId="{3CC8F9C6-53A4-432E-BFDC-5C7295F02C43}" destId="{4880099F-242F-4E16-B201-D4453E2FB56B}" srcOrd="1" destOrd="0" presId="urn:microsoft.com/office/officeart/2009/3/layout/HorizontalOrganizationChart"/>
+    <dgm:cxn modelId="{B114E7CA-CBE4-45DD-9527-86702BAD1849}" type="presParOf" srcId="{3CC8F9C6-53A4-432E-BFDC-5C7295F02C43}" destId="{15EC3EC2-A130-4AD0-BB87-CBD249F4CD89}" srcOrd="2" destOrd="0" presId="urn:microsoft.com/office/officeart/2009/3/layout/HorizontalOrganizationChart"/>
   </dgm:cxnLst>
   <dgm:bg/>
   <dgm:whole/>
@@ -8216,8 +8297,8 @@
       </dsp:nvSpPr>
       <dsp:spPr>
         <a:xfrm>
-          <a:off x="762" y="491425"/>
-          <a:ext cx="6242467" cy="1903952"/>
+          <a:off x="0" y="0"/>
+          <a:ext cx="6243965" cy="1246555"/>
         </a:xfrm>
         <a:prstGeom prst="rect">
           <a:avLst/>
@@ -8273,12 +8354,12 @@
         </a:fontRef>
       </dsp:style>
       <dsp:txBody>
-        <a:bodyPr spcFirstLastPara="0" vert="horz" wrap="square" lIns="16510" tIns="16510" rIns="16510" bIns="16510" numCol="1" spcCol="1270" anchor="ctr" anchorCtr="0">
+        <a:bodyPr spcFirstLastPara="0" vert="horz" wrap="square" lIns="12700" tIns="12700" rIns="12700" bIns="12700" numCol="1" spcCol="1270" anchor="ctr" anchorCtr="0">
           <a:noAutofit/>
         </a:bodyPr>
         <a:lstStyle/>
         <a:p>
-          <a:pPr marL="0" lvl="0" indent="0" algn="ctr" defTabSz="1155700">
+          <a:pPr marL="0" lvl="0" indent="0" algn="ctr" defTabSz="889000">
             <a:lnSpc>
               <a:spcPct val="90000"/>
             </a:lnSpc>
@@ -8291,7 +8372,7 @@
             <a:buNone/>
           </a:pPr>
           <a:r>
-            <a:rPr lang="en-US" sz="2600" kern="1200" dirty="0">
+            <a:rPr lang="en-US" sz="2000" kern="1200" dirty="0">
               <a:solidFill>
                 <a:schemeClr val="bg2"/>
               </a:solidFill>
@@ -8301,8 +8382,8 @@
         </a:p>
       </dsp:txBody>
       <dsp:txXfrm>
-        <a:off x="762" y="491425"/>
-        <a:ext cx="6242467" cy="1903952"/>
+        <a:off x="0" y="0"/>
+        <a:ext cx="6243965" cy="1246555"/>
       </dsp:txXfrm>
     </dsp:sp>
     <dsp:sp modelId="{1D7DCE69-4E24-B342-8045-461A4F642C4C}">
@@ -8312,8 +8393,8 @@
       </dsp:nvSpPr>
       <dsp:spPr>
         <a:xfrm>
-          <a:off x="762" y="3175686"/>
-          <a:ext cx="6242467" cy="1903952"/>
+          <a:off x="762" y="1831480"/>
+          <a:ext cx="6242467" cy="1360831"/>
         </a:xfrm>
         <a:prstGeom prst="rect">
           <a:avLst/>
@@ -8369,12 +8450,12 @@
         </a:fontRef>
       </dsp:style>
       <dsp:txBody>
-        <a:bodyPr spcFirstLastPara="0" vert="horz" wrap="square" lIns="16510" tIns="16510" rIns="16510" bIns="16510" numCol="1" spcCol="1270" anchor="ctr" anchorCtr="0">
+        <a:bodyPr spcFirstLastPara="0" vert="horz" wrap="square" lIns="12700" tIns="12700" rIns="12700" bIns="12700" numCol="1" spcCol="1270" anchor="ctr" anchorCtr="0">
           <a:noAutofit/>
         </a:bodyPr>
         <a:lstStyle/>
         <a:p>
-          <a:pPr marL="0" lvl="0" indent="0" algn="ctr" defTabSz="1155700">
+          <a:pPr marL="0" lvl="0" indent="0" algn="ctr" defTabSz="889000">
             <a:lnSpc>
               <a:spcPct val="90000"/>
             </a:lnSpc>
@@ -8387,18 +8468,114 @@
             <a:buNone/>
           </a:pPr>
           <a:r>
-            <a:rPr lang="en-US" sz="2600" kern="1200" dirty="0">
+            <a:rPr lang="en-US" sz="2000" kern="1200" dirty="0">
               <a:solidFill>
                 <a:schemeClr val="bg2"/>
               </a:solidFill>
             </a:rPr>
-            <a:t>We also could have used more sophisticated methods to balance out our training &amp; development datasets so there was a better ratio of positive &amp; negative datapoints</a:t>
+            <a:t>We also could have used more sophisticated sampling methods to balance negative/positive observations</a:t>
           </a:r>
         </a:p>
       </dsp:txBody>
       <dsp:txXfrm>
-        <a:off x="762" y="3175686"/>
-        <a:ext cx="6242467" cy="1903952"/>
+        <a:off x="762" y="1831480"/>
+        <a:ext cx="6242467" cy="1360831"/>
+      </dsp:txXfrm>
+    </dsp:sp>
+    <dsp:sp modelId="{A17DA83D-D1E5-4CBB-80BA-B24CC46929C4}">
+      <dsp:nvSpPr>
+        <dsp:cNvPr id="0" name=""/>
+        <dsp:cNvSpPr/>
+      </dsp:nvSpPr>
+      <dsp:spPr>
+        <a:xfrm>
+          <a:off x="762" y="3917520"/>
+          <a:ext cx="6242467" cy="868659"/>
+        </a:xfrm>
+        <a:prstGeom prst="rect">
+          <a:avLst/>
+        </a:prstGeom>
+        <a:gradFill rotWithShape="0">
+          <a:gsLst>
+            <a:gs pos="0">
+              <a:schemeClr val="accent4">
+                <a:hueOff val="0"/>
+                <a:satOff val="0"/>
+                <a:lumOff val="0"/>
+                <a:alphaOff val="0"/>
+                <a:tint val="96000"/>
+                <a:lumMod val="104000"/>
+              </a:schemeClr>
+            </a:gs>
+            <a:gs pos="100000">
+              <a:schemeClr val="accent4">
+                <a:hueOff val="0"/>
+                <a:satOff val="0"/>
+                <a:lumOff val="0"/>
+                <a:alphaOff val="0"/>
+                <a:shade val="84000"/>
+                <a:lumMod val="84000"/>
+              </a:schemeClr>
+            </a:gs>
+          </a:gsLst>
+          <a:lin ang="5400000" scaled="0"/>
+        </a:gradFill>
+        <a:ln>
+          <a:noFill/>
+        </a:ln>
+        <a:effectLst>
+          <a:innerShdw blurRad="50800" dist="25400" dir="13500000">
+            <a:srgbClr val="000000">
+              <a:alpha val="55000"/>
+            </a:srgbClr>
+          </a:innerShdw>
+        </a:effectLst>
+      </dsp:spPr>
+      <dsp:style>
+        <a:lnRef idx="0">
+          <a:scrgbClr r="0" g="0" b="0"/>
+        </a:lnRef>
+        <a:fillRef idx="3">
+          <a:scrgbClr r="0" g="0" b="0"/>
+        </a:fillRef>
+        <a:effectRef idx="2">
+          <a:scrgbClr r="0" g="0" b="0"/>
+        </a:effectRef>
+        <a:fontRef idx="minor">
+          <a:schemeClr val="lt1"/>
+        </a:fontRef>
+      </dsp:style>
+      <dsp:txBody>
+        <a:bodyPr spcFirstLastPara="0" vert="horz" wrap="square" lIns="12700" tIns="12700" rIns="12700" bIns="12700" numCol="1" spcCol="1270" anchor="ctr" anchorCtr="0">
+          <a:noAutofit/>
+        </a:bodyPr>
+        <a:lstStyle/>
+        <a:p>
+          <a:pPr marL="0" lvl="0" indent="0" algn="ctr" defTabSz="889000">
+            <a:lnSpc>
+              <a:spcPct val="90000"/>
+            </a:lnSpc>
+            <a:spcBef>
+              <a:spcPct val="0"/>
+            </a:spcBef>
+            <a:spcAft>
+              <a:spcPct val="35000"/>
+            </a:spcAft>
+            <a:buNone/>
+          </a:pPr>
+          <a:r>
+            <a:rPr lang="en-US" sz="2000" kern="1200" dirty="0">
+              <a:solidFill>
+                <a:schemeClr val="bg2"/>
+              </a:solidFill>
+            </a:rPr>
+            <a:t>Experimenting with linear, isotonic, and other calibration methods to improve model recall</a:t>
+          </a:r>
+        </a:p>
+      </dsp:txBody>
+      <dsp:txXfrm>
+        <a:off x="762" y="3917520"/>
+        <a:ext cx="6242467" cy="868659"/>
       </dsp:txXfrm>
     </dsp:sp>
   </dsp:spTree>
@@ -19159,7 +19336,7 @@
           <a:p>
             <a:fld id="{74351BEC-B626-8A42-83F4-51CC6FB0CE48}" type="datetimeFigureOut">
               <a:rPr lang="en-US" smtClean="0"/>
-              <a:t>4/10/22</a:t>
+              <a:t>4/12/2022</a:t>
             </a:fld>
             <a:endParaRPr lang="en-US"/>
           </a:p>
@@ -20684,7 +20861,7 @@
           <a:p>
             <a:fld id="{B5898F52-2787-4BA2-BBBC-9395E9F86D50}" type="datetimeFigureOut">
               <a:rPr lang="en-US" smtClean="0"/>
-              <a:t>4/10/22</a:t>
+              <a:t>4/12/2022</a:t>
             </a:fld>
             <a:endParaRPr lang="en-US"/>
           </a:p>
@@ -20976,7 +21153,7 @@
             <a:fld id="{B5898F52-2787-4BA2-BBBC-9395E9F86D50}" type="datetimeFigureOut">
               <a:rPr lang="en-US" smtClean="0"/>
               <a:pPr/>
-              <a:t>4/10/22</a:t>
+              <a:t>4/12/2022</a:t>
             </a:fld>
             <a:endParaRPr lang="en-US" dirty="0"/>
           </a:p>
@@ -21237,7 +21414,7 @@
             <a:fld id="{B5898F52-2787-4BA2-BBBC-9395E9F86D50}" type="datetimeFigureOut">
               <a:rPr lang="en-US" smtClean="0"/>
               <a:pPr/>
-              <a:t>4/10/22</a:t>
+              <a:t>4/12/2022</a:t>
             </a:fld>
             <a:endParaRPr lang="en-US" dirty="0"/>
           </a:p>
@@ -21708,7 +21885,7 @@
             <a:fld id="{B5898F52-2787-4BA2-BBBC-9395E9F86D50}" type="datetimeFigureOut">
               <a:rPr lang="en-US" smtClean="0"/>
               <a:pPr/>
-              <a:t>4/10/22</a:t>
+              <a:t>4/12/2022</a:t>
             </a:fld>
             <a:endParaRPr lang="en-US" dirty="0"/>
           </a:p>
@@ -21890,7 +22067,7 @@
             <a:fld id="{B5898F52-2787-4BA2-BBBC-9395E9F86D50}" type="datetimeFigureOut">
               <a:rPr lang="en-US" smtClean="0"/>
               <a:pPr/>
-              <a:t>4/10/22</a:t>
+              <a:t>4/12/2022</a:t>
             </a:fld>
             <a:endParaRPr lang="en-US" dirty="0"/>
           </a:p>
@@ -22468,7 +22645,7 @@
             <a:fld id="{B5898F52-2787-4BA2-BBBC-9395E9F86D50}" type="datetimeFigureOut">
               <a:rPr lang="en-US" smtClean="0"/>
               <a:pPr/>
-              <a:t>4/10/22</a:t>
+              <a:t>4/12/2022</a:t>
             </a:fld>
             <a:endParaRPr lang="en-US" dirty="0"/>
           </a:p>
@@ -22802,7 +22979,7 @@
             <a:fld id="{B5898F52-2787-4BA2-BBBC-9395E9F86D50}" type="datetimeFigureOut">
               <a:rPr lang="en-US" smtClean="0"/>
               <a:pPr/>
-              <a:t>4/10/22</a:t>
+              <a:t>4/12/2022</a:t>
             </a:fld>
             <a:endParaRPr lang="en-US" dirty="0"/>
           </a:p>
@@ -22978,7 +23155,7 @@
           <a:p>
             <a:fld id="{B5898F52-2787-4BA2-BBBC-9395E9F86D50}" type="datetimeFigureOut">
               <a:rPr lang="en-US" smtClean="0"/>
-              <a:t>4/10/22</a:t>
+              <a:t>4/12/2022</a:t>
             </a:fld>
             <a:endParaRPr lang="en-US"/>
           </a:p>
@@ -23158,7 +23335,7 @@
           <a:p>
             <a:fld id="{B5898F52-2787-4BA2-BBBC-9395E9F86D50}" type="datetimeFigureOut">
               <a:rPr lang="en-US" smtClean="0"/>
-              <a:t>4/10/22</a:t>
+              <a:t>4/12/2022</a:t>
             </a:fld>
             <a:endParaRPr lang="en-US"/>
           </a:p>
@@ -23328,7 +23505,7 @@
           <a:p>
             <a:fld id="{B5898F52-2787-4BA2-BBBC-9395E9F86D50}" type="datetimeFigureOut">
               <a:rPr lang="en-US" smtClean="0"/>
-              <a:t>4/10/22</a:t>
+              <a:t>4/12/2022</a:t>
             </a:fld>
             <a:endParaRPr lang="en-US"/>
           </a:p>
@@ -23585,7 +23762,7 @@
           <a:p>
             <a:fld id="{B5898F52-2787-4BA2-BBBC-9395E9F86D50}" type="datetimeFigureOut">
               <a:rPr lang="en-US" smtClean="0"/>
-              <a:t>4/10/22</a:t>
+              <a:t>4/12/2022</a:t>
             </a:fld>
             <a:endParaRPr lang="en-US"/>
           </a:p>
@@ -23877,7 +24054,7 @@
           <a:p>
             <a:fld id="{B5898F52-2787-4BA2-BBBC-9395E9F86D50}" type="datetimeFigureOut">
               <a:rPr lang="en-US" smtClean="0"/>
-              <a:t>4/10/22</a:t>
+              <a:t>4/12/2022</a:t>
             </a:fld>
             <a:endParaRPr lang="en-US"/>
           </a:p>
@@ -24312,7 +24489,7 @@
           <a:p>
             <a:fld id="{B5898F52-2787-4BA2-BBBC-9395E9F86D50}" type="datetimeFigureOut">
               <a:rPr lang="en-US" smtClean="0"/>
-              <a:t>4/10/22</a:t>
+              <a:t>4/12/2022</a:t>
             </a:fld>
             <a:endParaRPr lang="en-US"/>
           </a:p>
@@ -24435,7 +24612,7 @@
           <a:p>
             <a:fld id="{B5898F52-2787-4BA2-BBBC-9395E9F86D50}" type="datetimeFigureOut">
               <a:rPr lang="en-US" smtClean="0"/>
-              <a:t>4/10/22</a:t>
+              <a:t>4/12/2022</a:t>
             </a:fld>
             <a:endParaRPr lang="en-US"/>
           </a:p>
@@ -24530,7 +24707,7 @@
           <a:p>
             <a:fld id="{B5898F52-2787-4BA2-BBBC-9395E9F86D50}" type="datetimeFigureOut">
               <a:rPr lang="en-US" smtClean="0"/>
-              <a:t>4/10/22</a:t>
+              <a:t>4/12/2022</a:t>
             </a:fld>
             <a:endParaRPr lang="en-US"/>
           </a:p>
@@ -24813,7 +24990,7 @@
           <a:p>
             <a:fld id="{B5898F52-2787-4BA2-BBBC-9395E9F86D50}" type="datetimeFigureOut">
               <a:rPr lang="en-US" smtClean="0"/>
-              <a:t>4/10/22</a:t>
+              <a:t>4/12/2022</a:t>
             </a:fld>
             <a:endParaRPr lang="en-US"/>
           </a:p>
@@ -25109,7 +25286,7 @@
           <a:p>
             <a:fld id="{B5898F52-2787-4BA2-BBBC-9395E9F86D50}" type="datetimeFigureOut">
               <a:rPr lang="en-US" smtClean="0"/>
-              <a:t>4/10/22</a:t>
+              <a:t>4/12/2022</a:t>
             </a:fld>
             <a:endParaRPr lang="en-US"/>
           </a:p>
@@ -25341,7 +25518,7 @@
             <a:fld id="{B5898F52-2787-4BA2-BBBC-9395E9F86D50}" type="datetimeFigureOut">
               <a:rPr lang="en-US" smtClean="0"/>
               <a:pPr/>
-              <a:t>4/10/22</a:t>
+              <a:t>4/12/2022</a:t>
             </a:fld>
             <a:endParaRPr lang="en-US" dirty="0"/>
           </a:p>
@@ -27117,7 +27294,7 @@
             <p:ph idx="1"/>
             <p:extLst>
               <p:ext uri="{D42A27DB-BD31-4B8C-83A1-F6EECF244321}">
-                <p14:modId xmlns:p14="http://schemas.microsoft.com/office/powerpoint/2010/main" val="4278053698"/>
+                <p14:modId xmlns:p14="http://schemas.microsoft.com/office/powerpoint/2010/main" val="290706218"/>
               </p:ext>
             </p:extLst>
           </p:nvPr>
